--- a/presentation/presentation_group7.pptx
+++ b/presentation/presentation_group7.pptx
@@ -5,15 +5,17 @@
     <p:sldMasterId id="2147483648" r:id="rId1"/>
   </p:sldMasterIdLst>
   <p:notesMasterIdLst>
-    <p:notesMasterId r:id="rId8"/>
+    <p:notesMasterId r:id="rId10"/>
   </p:notesMasterIdLst>
   <p:sldIdLst>
     <p:sldId id="256" r:id="rId2"/>
     <p:sldId id="257" r:id="rId3"/>
     <p:sldId id="258" r:id="rId4"/>
     <p:sldId id="261" r:id="rId5"/>
-    <p:sldId id="259" r:id="rId6"/>
-    <p:sldId id="260" r:id="rId7"/>
+    <p:sldId id="262" r:id="rId6"/>
+    <p:sldId id="263" r:id="rId7"/>
+    <p:sldId id="264" r:id="rId8"/>
+    <p:sldId id="265" r:id="rId9"/>
   </p:sldIdLst>
   <p:sldSz cx="12192000" cy="6858000"/>
   <p:notesSz cx="6858000" cy="9144000"/>
@@ -112,6 +114,11 @@
       </a:defRPr>
     </a:lvl9pPr>
   </p:defaultTextStyle>
+  <p:extLst>
+    <p:ext uri="{EFAFB233-063F-42B5-8137-9DF3F51BA10A}">
+      <p15:sldGuideLst xmlns:p15="http://schemas.microsoft.com/office/powerpoint/2012/main"/>
+    </p:ext>
+  </p:extLst>
 </p:presentation>
 </file>
 
@@ -269,6 +276,11 @@
               </a:ln>
               <a:effectLst/>
             </c:spPr>
+            <c:extLst>
+              <c:ext xmlns:c16="http://schemas.microsoft.com/office/drawing/2014/chart" uri="{C3380CC4-5D6E-409C-BE32-E72D297353CC}">
+                <c16:uniqueId val="{00000005-F69A-4521-BAEA-2CB4679CE730}"/>
+              </c:ext>
+            </c:extLst>
           </c:dPt>
           <c:dPt>
             <c:idx val="3"/>
@@ -284,6 +296,11 @@
               </a:ln>
               <a:effectLst/>
             </c:spPr>
+            <c:extLst>
+              <c:ext xmlns:c16="http://schemas.microsoft.com/office/drawing/2014/chart" uri="{C3380CC4-5D6E-409C-BE32-E72D297353CC}">
+                <c16:uniqueId val="{00000007-F69A-4521-BAEA-2CB4679CE730}"/>
+              </c:ext>
+            </c:extLst>
           </c:dPt>
           <c:dPt>
             <c:idx val="4"/>
@@ -319,6 +336,11 @@
               </a:ln>
               <a:effectLst/>
             </c:spPr>
+            <c:extLst>
+              <c:ext xmlns:c16="http://schemas.microsoft.com/office/drawing/2014/chart" uri="{C3380CC4-5D6E-409C-BE32-E72D297353CC}">
+                <c16:uniqueId val="{0000000B-F69A-4521-BAEA-2CB4679CE730}"/>
+              </c:ext>
+            </c:extLst>
           </c:dPt>
           <c:dPt>
             <c:idx val="6"/>
@@ -336,6 +358,11 @@
               </a:ln>
               <a:effectLst/>
             </c:spPr>
+            <c:extLst>
+              <c:ext xmlns:c16="http://schemas.microsoft.com/office/drawing/2014/chart" uri="{C3380CC4-5D6E-409C-BE32-E72D297353CC}">
+                <c16:uniqueId val="{0000000D-F69A-4521-BAEA-2CB4679CE730}"/>
+              </c:ext>
+            </c:extLst>
           </c:dPt>
           <c:dPt>
             <c:idx val="7"/>
@@ -353,6 +380,11 @@
               </a:ln>
               <a:effectLst/>
             </c:spPr>
+            <c:extLst>
+              <c:ext xmlns:c16="http://schemas.microsoft.com/office/drawing/2014/chart" uri="{C3380CC4-5D6E-409C-BE32-E72D297353CC}">
+                <c16:uniqueId val="{0000000F-F69A-4521-BAEA-2CB4679CE730}"/>
+              </c:ext>
+            </c:extLst>
           </c:dPt>
           <c:dPt>
             <c:idx val="8"/>
@@ -370,6 +402,11 @@
               </a:ln>
               <a:effectLst/>
             </c:spPr>
+            <c:extLst>
+              <c:ext xmlns:c16="http://schemas.microsoft.com/office/drawing/2014/chart" uri="{C3380CC4-5D6E-409C-BE32-E72D297353CC}">
+                <c16:uniqueId val="{00000011-F69A-4521-BAEA-2CB4679CE730}"/>
+              </c:ext>
+            </c:extLst>
           </c:dPt>
           <c:dPt>
             <c:idx val="9"/>
@@ -387,6 +424,11 @@
               </a:ln>
               <a:effectLst/>
             </c:spPr>
+            <c:extLst>
+              <c:ext xmlns:c16="http://schemas.microsoft.com/office/drawing/2014/chart" uri="{C3380CC4-5D6E-409C-BE32-E72D297353CC}">
+                <c16:uniqueId val="{00000013-F69A-4521-BAEA-2CB4679CE730}"/>
+              </c:ext>
+            </c:extLst>
           </c:dPt>
           <c:dLbls>
             <c:dLbl>
@@ -690,7 +732,2398 @@
 </c:chartSpace>
 </file>
 
+<file path=ppt/charts/chart2.xml><?xml version="1.0" encoding="utf-8"?>
+<c:chartSpace xmlns:c="http://schemas.openxmlformats.org/drawingml/2006/chart" xmlns:a="http://schemas.openxmlformats.org/drawingml/2006/main" xmlns:r="http://schemas.openxmlformats.org/officeDocument/2006/relationships" xmlns:c16r2="http://schemas.microsoft.com/office/drawing/2015/06/chart">
+  <c:date1904 val="0"/>
+  <c:lang val="tr-TR"/>
+  <c:roundedCorners val="0"/>
+  <mc:AlternateContent xmlns:mc="http://schemas.openxmlformats.org/markup-compatibility/2006">
+    <mc:Choice xmlns:c14="http://schemas.microsoft.com/office/drawing/2007/8/2/chart" Requires="c14">
+      <c14:style val="102"/>
+    </mc:Choice>
+    <mc:Fallback>
+      <c:style val="2"/>
+    </mc:Fallback>
+  </mc:AlternateContent>
+  <c:chart>
+    <c:title>
+      <c:tx>
+        <c:rich>
+          <a:bodyPr rot="0" spcFirstLastPara="1" vertOverflow="ellipsis" vert="horz" wrap="square" anchor="ctr" anchorCtr="1"/>
+          <a:lstStyle/>
+          <a:p>
+            <a:pPr>
+              <a:defRPr sz="1862" b="0" i="0" u="none" strike="noStrike" kern="1200" spc="0" baseline="0">
+                <a:solidFill>
+                  <a:schemeClr val="tx1">
+                    <a:lumMod val="65000"/>
+                    <a:lumOff val="35000"/>
+                  </a:schemeClr>
+                </a:solidFill>
+                <a:latin typeface="+mn-lt"/>
+                <a:ea typeface="+mn-ea"/>
+                <a:cs typeface="+mn-cs"/>
+              </a:defRPr>
+            </a:pPr>
+            <a:endParaRPr lang="en-US" dirty="0"/>
+          </a:p>
+        </c:rich>
+      </c:tx>
+      <c:layout/>
+      <c:overlay val="0"/>
+      <c:spPr>
+        <a:noFill/>
+        <a:ln>
+          <a:noFill/>
+        </a:ln>
+        <a:effectLst/>
+      </c:spPr>
+      <c:txPr>
+        <a:bodyPr rot="0" spcFirstLastPara="1" vertOverflow="ellipsis" vert="horz" wrap="square" anchor="ctr" anchorCtr="1"/>
+        <a:lstStyle/>
+        <a:p>
+          <a:pPr>
+            <a:defRPr sz="1862" b="0" i="0" u="none" strike="noStrike" kern="1200" spc="0" baseline="0">
+              <a:solidFill>
+                <a:schemeClr val="tx1">
+                  <a:lumMod val="65000"/>
+                  <a:lumOff val="35000"/>
+                </a:schemeClr>
+              </a:solidFill>
+              <a:latin typeface="+mn-lt"/>
+              <a:ea typeface="+mn-ea"/>
+              <a:cs typeface="+mn-cs"/>
+            </a:defRPr>
+          </a:pPr>
+          <a:endParaRPr lang="en-US"/>
+        </a:p>
+      </c:txPr>
+    </c:title>
+    <c:autoTitleDeleted val="0"/>
+    <c:plotArea>
+      <c:layout/>
+      <c:barChart>
+        <c:barDir val="col"/>
+        <c:grouping val="clustered"/>
+        <c:varyColors val="0"/>
+        <c:ser>
+          <c:idx val="0"/>
+          <c:order val="0"/>
+          <c:tx>
+            <c:strRef>
+              <c:f>Sayfa1!$B$1</c:f>
+              <c:strCache>
+                <c:ptCount val="1"/>
+                <c:pt idx="0">
+                  <c:v>Accuracy</c:v>
+                </c:pt>
+              </c:strCache>
+            </c:strRef>
+          </c:tx>
+          <c:spPr>
+            <a:solidFill>
+              <a:schemeClr val="accent1"/>
+            </a:solidFill>
+            <a:ln>
+              <a:noFill/>
+            </a:ln>
+            <a:effectLst/>
+          </c:spPr>
+          <c:invertIfNegative val="0"/>
+          <c:dLbls>
+            <c:spPr>
+              <a:noFill/>
+              <a:ln>
+                <a:noFill/>
+              </a:ln>
+              <a:effectLst/>
+            </c:spPr>
+            <c:txPr>
+              <a:bodyPr rot="0" spcFirstLastPara="1" vertOverflow="ellipsis" vert="horz" wrap="square" lIns="38100" tIns="19050" rIns="38100" bIns="19050" anchor="ctr" anchorCtr="1">
+                <a:spAutoFit/>
+              </a:bodyPr>
+              <a:lstStyle/>
+              <a:p>
+                <a:pPr>
+                  <a:defRPr sz="1197" b="0" i="0" u="none" strike="noStrike" kern="1200" baseline="0">
+                    <a:solidFill>
+                      <a:schemeClr val="tx1">
+                        <a:lumMod val="75000"/>
+                        <a:lumOff val="25000"/>
+                      </a:schemeClr>
+                    </a:solidFill>
+                    <a:latin typeface="+mn-lt"/>
+                    <a:ea typeface="+mn-ea"/>
+                    <a:cs typeface="+mn-cs"/>
+                  </a:defRPr>
+                </a:pPr>
+                <a:endParaRPr lang="en-US"/>
+              </a:p>
+            </c:txPr>
+            <c:dLblPos val="outEnd"/>
+            <c:showLegendKey val="0"/>
+            <c:showVal val="1"/>
+            <c:showCatName val="0"/>
+            <c:showSerName val="0"/>
+            <c:showPercent val="0"/>
+            <c:showBubbleSize val="0"/>
+            <c:showLeaderLines val="0"/>
+            <c:extLst>
+              <c:ext xmlns:c15="http://schemas.microsoft.com/office/drawing/2012/chart" uri="{CE6537A1-D6FC-4f65-9D91-7224C49458BB}">
+                <c15:layout/>
+                <c15:showLeaderLines val="1"/>
+                <c15:leaderLines>
+                  <c:spPr>
+                    <a:ln w="9525" cap="flat" cmpd="sng" algn="ctr">
+                      <a:solidFill>
+                        <a:schemeClr val="tx1">
+                          <a:lumMod val="35000"/>
+                          <a:lumOff val="65000"/>
+                        </a:schemeClr>
+                      </a:solidFill>
+                      <a:round/>
+                    </a:ln>
+                    <a:effectLst/>
+                  </c:spPr>
+                </c15:leaderLines>
+              </c:ext>
+            </c:extLst>
+          </c:dLbls>
+          <c:cat>
+            <c:strRef>
+              <c:f>Sayfa1!$A$2:$A$4</c:f>
+              <c:strCache>
+                <c:ptCount val="3"/>
+                <c:pt idx="0">
+                  <c:v>Test on Train</c:v>
+                </c:pt>
+                <c:pt idx="1">
+                  <c:v>0.9 Test</c:v>
+                </c:pt>
+                <c:pt idx="2">
+                  <c:v>10-Fold Cross Validation</c:v>
+                </c:pt>
+              </c:strCache>
+            </c:strRef>
+          </c:cat>
+          <c:val>
+            <c:numRef>
+              <c:f>Sayfa1!$B$2:$B$4</c:f>
+              <c:numCache>
+                <c:formatCode>General</c:formatCode>
+                <c:ptCount val="3"/>
+                <c:pt idx="0">
+                  <c:v>0.78</c:v>
+                </c:pt>
+                <c:pt idx="1">
+                  <c:v>0.45</c:v>
+                </c:pt>
+                <c:pt idx="2">
+                  <c:v>0.7</c:v>
+                </c:pt>
+              </c:numCache>
+            </c:numRef>
+          </c:val>
+          <c:extLst>
+            <c:ext xmlns:c16="http://schemas.microsoft.com/office/drawing/2014/chart" uri="{C3380CC4-5D6E-409C-BE32-E72D297353CC}">
+              <c16:uniqueId val="{00000000-13F3-48EF-894B-E8F635F3D11C}"/>
+            </c:ext>
+          </c:extLst>
+        </c:ser>
+        <c:ser>
+          <c:idx val="1"/>
+          <c:order val="1"/>
+          <c:tx>
+            <c:strRef>
+              <c:f>Sayfa1!$C$1</c:f>
+              <c:strCache>
+                <c:ptCount val="1"/>
+                <c:pt idx="0">
+                  <c:v>F1 Score</c:v>
+                </c:pt>
+              </c:strCache>
+            </c:strRef>
+          </c:tx>
+          <c:spPr>
+            <a:solidFill>
+              <a:schemeClr val="accent2"/>
+            </a:solidFill>
+            <a:ln>
+              <a:noFill/>
+            </a:ln>
+            <a:effectLst/>
+          </c:spPr>
+          <c:invertIfNegative val="0"/>
+          <c:dLbls>
+            <c:spPr>
+              <a:noFill/>
+              <a:ln>
+                <a:noFill/>
+              </a:ln>
+              <a:effectLst/>
+            </c:spPr>
+            <c:txPr>
+              <a:bodyPr rot="0" spcFirstLastPara="1" vertOverflow="ellipsis" vert="horz" wrap="square" lIns="38100" tIns="19050" rIns="38100" bIns="19050" anchor="ctr" anchorCtr="1">
+                <a:spAutoFit/>
+              </a:bodyPr>
+              <a:lstStyle/>
+              <a:p>
+                <a:pPr>
+                  <a:defRPr sz="1197" b="0" i="0" u="none" strike="noStrike" kern="1200" baseline="0">
+                    <a:solidFill>
+                      <a:schemeClr val="tx1">
+                        <a:lumMod val="75000"/>
+                        <a:lumOff val="25000"/>
+                      </a:schemeClr>
+                    </a:solidFill>
+                    <a:latin typeface="+mn-lt"/>
+                    <a:ea typeface="+mn-ea"/>
+                    <a:cs typeface="+mn-cs"/>
+                  </a:defRPr>
+                </a:pPr>
+                <a:endParaRPr lang="en-US"/>
+              </a:p>
+            </c:txPr>
+            <c:dLblPos val="outEnd"/>
+            <c:showLegendKey val="0"/>
+            <c:showVal val="1"/>
+            <c:showCatName val="0"/>
+            <c:showSerName val="0"/>
+            <c:showPercent val="0"/>
+            <c:showBubbleSize val="0"/>
+            <c:showLeaderLines val="0"/>
+            <c:extLst>
+              <c:ext xmlns:c15="http://schemas.microsoft.com/office/drawing/2012/chart" uri="{CE6537A1-D6FC-4f65-9D91-7224C49458BB}">
+                <c15:layout/>
+                <c15:showLeaderLines val="1"/>
+                <c15:leaderLines>
+                  <c:spPr>
+                    <a:ln w="9525" cap="flat" cmpd="sng" algn="ctr">
+                      <a:solidFill>
+                        <a:schemeClr val="tx1">
+                          <a:lumMod val="35000"/>
+                          <a:lumOff val="65000"/>
+                        </a:schemeClr>
+                      </a:solidFill>
+                      <a:round/>
+                    </a:ln>
+                    <a:effectLst/>
+                  </c:spPr>
+                </c15:leaderLines>
+              </c:ext>
+            </c:extLst>
+          </c:dLbls>
+          <c:cat>
+            <c:strRef>
+              <c:f>Sayfa1!$A$2:$A$4</c:f>
+              <c:strCache>
+                <c:ptCount val="3"/>
+                <c:pt idx="0">
+                  <c:v>Test on Train</c:v>
+                </c:pt>
+                <c:pt idx="1">
+                  <c:v>0.9 Test</c:v>
+                </c:pt>
+                <c:pt idx="2">
+                  <c:v>10-Fold Cross Validation</c:v>
+                </c:pt>
+              </c:strCache>
+            </c:strRef>
+          </c:cat>
+          <c:val>
+            <c:numRef>
+              <c:f>Sayfa1!$C$2:$C$4</c:f>
+              <c:numCache>
+                <c:formatCode>General</c:formatCode>
+                <c:ptCount val="3"/>
+                <c:pt idx="0">
+                  <c:v>0.43</c:v>
+                </c:pt>
+                <c:pt idx="1">
+                  <c:v>0.21</c:v>
+                </c:pt>
+                <c:pt idx="2">
+                  <c:v>0.35</c:v>
+                </c:pt>
+              </c:numCache>
+            </c:numRef>
+          </c:val>
+          <c:extLst>
+            <c:ext xmlns:c16="http://schemas.microsoft.com/office/drawing/2014/chart" uri="{C3380CC4-5D6E-409C-BE32-E72D297353CC}">
+              <c16:uniqueId val="{00000001-13F3-48EF-894B-E8F635F3D11C}"/>
+            </c:ext>
+          </c:extLst>
+        </c:ser>
+        <c:ser>
+          <c:idx val="2"/>
+          <c:order val="2"/>
+          <c:tx>
+            <c:strRef>
+              <c:f>Sayfa1!$D$1</c:f>
+              <c:strCache>
+                <c:ptCount val="1"/>
+                <c:pt idx="0">
+                  <c:v>Precion</c:v>
+                </c:pt>
+              </c:strCache>
+            </c:strRef>
+          </c:tx>
+          <c:spPr>
+            <a:solidFill>
+              <a:schemeClr val="accent3"/>
+            </a:solidFill>
+            <a:ln>
+              <a:noFill/>
+            </a:ln>
+            <a:effectLst/>
+          </c:spPr>
+          <c:invertIfNegative val="0"/>
+          <c:dLbls>
+            <c:spPr>
+              <a:noFill/>
+              <a:ln>
+                <a:noFill/>
+              </a:ln>
+              <a:effectLst/>
+            </c:spPr>
+            <c:txPr>
+              <a:bodyPr rot="0" spcFirstLastPara="1" vertOverflow="ellipsis" vert="horz" wrap="square" lIns="38100" tIns="19050" rIns="38100" bIns="19050" anchor="ctr" anchorCtr="1">
+                <a:spAutoFit/>
+              </a:bodyPr>
+              <a:lstStyle/>
+              <a:p>
+                <a:pPr>
+                  <a:defRPr sz="1197" b="0" i="0" u="none" strike="noStrike" kern="1200" baseline="0">
+                    <a:solidFill>
+                      <a:schemeClr val="tx1">
+                        <a:lumMod val="75000"/>
+                        <a:lumOff val="25000"/>
+                      </a:schemeClr>
+                    </a:solidFill>
+                    <a:latin typeface="+mn-lt"/>
+                    <a:ea typeface="+mn-ea"/>
+                    <a:cs typeface="+mn-cs"/>
+                  </a:defRPr>
+                </a:pPr>
+                <a:endParaRPr lang="en-US"/>
+              </a:p>
+            </c:txPr>
+            <c:dLblPos val="outEnd"/>
+            <c:showLegendKey val="0"/>
+            <c:showVal val="1"/>
+            <c:showCatName val="0"/>
+            <c:showSerName val="0"/>
+            <c:showPercent val="0"/>
+            <c:showBubbleSize val="0"/>
+            <c:showLeaderLines val="0"/>
+            <c:extLst>
+              <c:ext xmlns:c15="http://schemas.microsoft.com/office/drawing/2012/chart" uri="{CE6537A1-D6FC-4f65-9D91-7224C49458BB}">
+                <c15:layout/>
+                <c15:showLeaderLines val="1"/>
+                <c15:leaderLines>
+                  <c:spPr>
+                    <a:ln w="9525" cap="flat" cmpd="sng" algn="ctr">
+                      <a:solidFill>
+                        <a:schemeClr val="tx1">
+                          <a:lumMod val="35000"/>
+                          <a:lumOff val="65000"/>
+                        </a:schemeClr>
+                      </a:solidFill>
+                      <a:round/>
+                    </a:ln>
+                    <a:effectLst/>
+                  </c:spPr>
+                </c15:leaderLines>
+              </c:ext>
+            </c:extLst>
+          </c:dLbls>
+          <c:cat>
+            <c:strRef>
+              <c:f>Sayfa1!$A$2:$A$4</c:f>
+              <c:strCache>
+                <c:ptCount val="3"/>
+                <c:pt idx="0">
+                  <c:v>Test on Train</c:v>
+                </c:pt>
+                <c:pt idx="1">
+                  <c:v>0.9 Test</c:v>
+                </c:pt>
+                <c:pt idx="2">
+                  <c:v>10-Fold Cross Validation</c:v>
+                </c:pt>
+              </c:strCache>
+            </c:strRef>
+          </c:cat>
+          <c:val>
+            <c:numRef>
+              <c:f>Sayfa1!$D$2:$D$4</c:f>
+              <c:numCache>
+                <c:formatCode>General</c:formatCode>
+                <c:ptCount val="3"/>
+                <c:pt idx="0">
+                  <c:v>0.49</c:v>
+                </c:pt>
+                <c:pt idx="1">
+                  <c:v>0.22</c:v>
+                </c:pt>
+                <c:pt idx="2">
+                  <c:v>0.48</c:v>
+                </c:pt>
+              </c:numCache>
+            </c:numRef>
+          </c:val>
+          <c:extLst>
+            <c:ext xmlns:c16="http://schemas.microsoft.com/office/drawing/2014/chart" uri="{C3380CC4-5D6E-409C-BE32-E72D297353CC}">
+              <c16:uniqueId val="{00000002-13F3-48EF-894B-E8F635F3D11C}"/>
+            </c:ext>
+          </c:extLst>
+        </c:ser>
+        <c:ser>
+          <c:idx val="3"/>
+          <c:order val="3"/>
+          <c:tx>
+            <c:strRef>
+              <c:f>Sayfa1!$E$1</c:f>
+              <c:strCache>
+                <c:ptCount val="1"/>
+                <c:pt idx="0">
+                  <c:v>Recall</c:v>
+                </c:pt>
+              </c:strCache>
+            </c:strRef>
+          </c:tx>
+          <c:spPr>
+            <a:solidFill>
+              <a:schemeClr val="accent4"/>
+            </a:solidFill>
+            <a:ln>
+              <a:noFill/>
+            </a:ln>
+            <a:effectLst/>
+          </c:spPr>
+          <c:invertIfNegative val="0"/>
+          <c:dLbls>
+            <c:spPr>
+              <a:noFill/>
+              <a:ln>
+                <a:noFill/>
+              </a:ln>
+              <a:effectLst/>
+            </c:spPr>
+            <c:txPr>
+              <a:bodyPr rot="0" spcFirstLastPara="1" vertOverflow="ellipsis" vert="horz" wrap="square" lIns="38100" tIns="19050" rIns="38100" bIns="19050" anchor="ctr" anchorCtr="1">
+                <a:spAutoFit/>
+              </a:bodyPr>
+              <a:lstStyle/>
+              <a:p>
+                <a:pPr>
+                  <a:defRPr sz="1197" b="0" i="0" u="none" strike="noStrike" kern="1200" baseline="0">
+                    <a:solidFill>
+                      <a:schemeClr val="tx1">
+                        <a:lumMod val="75000"/>
+                        <a:lumOff val="25000"/>
+                      </a:schemeClr>
+                    </a:solidFill>
+                    <a:latin typeface="+mn-lt"/>
+                    <a:ea typeface="+mn-ea"/>
+                    <a:cs typeface="+mn-cs"/>
+                  </a:defRPr>
+                </a:pPr>
+                <a:endParaRPr lang="en-US"/>
+              </a:p>
+            </c:txPr>
+            <c:dLblPos val="outEnd"/>
+            <c:showLegendKey val="0"/>
+            <c:showVal val="1"/>
+            <c:showCatName val="0"/>
+            <c:showSerName val="0"/>
+            <c:showPercent val="0"/>
+            <c:showBubbleSize val="0"/>
+            <c:showLeaderLines val="0"/>
+            <c:extLst>
+              <c:ext xmlns:c15="http://schemas.microsoft.com/office/drawing/2012/chart" uri="{CE6537A1-D6FC-4f65-9D91-7224C49458BB}">
+                <c15:layout/>
+                <c15:showLeaderLines val="1"/>
+                <c15:leaderLines>
+                  <c:spPr>
+                    <a:ln w="9525" cap="flat" cmpd="sng" algn="ctr">
+                      <a:solidFill>
+                        <a:schemeClr val="tx1">
+                          <a:lumMod val="35000"/>
+                          <a:lumOff val="65000"/>
+                        </a:schemeClr>
+                      </a:solidFill>
+                      <a:round/>
+                    </a:ln>
+                    <a:effectLst/>
+                  </c:spPr>
+                </c15:leaderLines>
+              </c:ext>
+            </c:extLst>
+          </c:dLbls>
+          <c:cat>
+            <c:strRef>
+              <c:f>Sayfa1!$A$2:$A$4</c:f>
+              <c:strCache>
+                <c:ptCount val="3"/>
+                <c:pt idx="0">
+                  <c:v>Test on Train</c:v>
+                </c:pt>
+                <c:pt idx="1">
+                  <c:v>0.9 Test</c:v>
+                </c:pt>
+                <c:pt idx="2">
+                  <c:v>10-Fold Cross Validation</c:v>
+                </c:pt>
+              </c:strCache>
+            </c:strRef>
+          </c:cat>
+          <c:val>
+            <c:numRef>
+              <c:f>Sayfa1!$E$2:$E$4</c:f>
+              <c:numCache>
+                <c:formatCode>General</c:formatCode>
+                <c:ptCount val="3"/>
+                <c:pt idx="0">
+                  <c:v>0.44</c:v>
+                </c:pt>
+                <c:pt idx="1">
+                  <c:v>0.23</c:v>
+                </c:pt>
+                <c:pt idx="2">
+                  <c:v>0.37</c:v>
+                </c:pt>
+              </c:numCache>
+            </c:numRef>
+          </c:val>
+          <c:extLst>
+            <c:ext xmlns:c16="http://schemas.microsoft.com/office/drawing/2014/chart" uri="{C3380CC4-5D6E-409C-BE32-E72D297353CC}">
+              <c16:uniqueId val="{00000003-13F3-48EF-894B-E8F635F3D11C}"/>
+            </c:ext>
+          </c:extLst>
+        </c:ser>
+        <c:dLbls>
+          <c:showLegendKey val="0"/>
+          <c:showVal val="0"/>
+          <c:showCatName val="0"/>
+          <c:showSerName val="0"/>
+          <c:showPercent val="0"/>
+          <c:showBubbleSize val="0"/>
+        </c:dLbls>
+        <c:gapWidth val="219"/>
+        <c:overlap val="-27"/>
+        <c:axId val="1598851855"/>
+        <c:axId val="1598853935"/>
+      </c:barChart>
+      <c:catAx>
+        <c:axId val="1598851855"/>
+        <c:scaling>
+          <c:orientation val="minMax"/>
+        </c:scaling>
+        <c:delete val="0"/>
+        <c:axPos val="b"/>
+        <c:numFmt formatCode="General" sourceLinked="1"/>
+        <c:majorTickMark val="none"/>
+        <c:minorTickMark val="none"/>
+        <c:tickLblPos val="nextTo"/>
+        <c:spPr>
+          <a:noFill/>
+          <a:ln w="9525" cap="flat" cmpd="sng" algn="ctr">
+            <a:solidFill>
+              <a:schemeClr val="tx1">
+                <a:lumMod val="15000"/>
+                <a:lumOff val="85000"/>
+              </a:schemeClr>
+            </a:solidFill>
+            <a:round/>
+          </a:ln>
+          <a:effectLst/>
+        </c:spPr>
+        <c:txPr>
+          <a:bodyPr rot="-60000000" spcFirstLastPara="1" vertOverflow="ellipsis" vert="horz" wrap="square" anchor="ctr" anchorCtr="1"/>
+          <a:lstStyle/>
+          <a:p>
+            <a:pPr>
+              <a:defRPr sz="1197" b="0" i="0" u="none" strike="noStrike" kern="1200" baseline="0">
+                <a:solidFill>
+                  <a:schemeClr val="tx1">
+                    <a:lumMod val="65000"/>
+                    <a:lumOff val="35000"/>
+                  </a:schemeClr>
+                </a:solidFill>
+                <a:latin typeface="+mn-lt"/>
+                <a:ea typeface="+mn-ea"/>
+                <a:cs typeface="+mn-cs"/>
+              </a:defRPr>
+            </a:pPr>
+            <a:endParaRPr lang="en-US"/>
+          </a:p>
+        </c:txPr>
+        <c:crossAx val="1598853935"/>
+        <c:crosses val="autoZero"/>
+        <c:auto val="1"/>
+        <c:lblAlgn val="ctr"/>
+        <c:lblOffset val="100"/>
+        <c:noMultiLvlLbl val="0"/>
+      </c:catAx>
+      <c:valAx>
+        <c:axId val="1598853935"/>
+        <c:scaling>
+          <c:orientation val="minMax"/>
+        </c:scaling>
+        <c:delete val="0"/>
+        <c:axPos val="l"/>
+        <c:majorGridlines>
+          <c:spPr>
+            <a:ln w="9525" cap="flat" cmpd="sng" algn="ctr">
+              <a:solidFill>
+                <a:schemeClr val="tx1">
+                  <a:lumMod val="15000"/>
+                  <a:lumOff val="85000"/>
+                </a:schemeClr>
+              </a:solidFill>
+              <a:round/>
+            </a:ln>
+            <a:effectLst/>
+          </c:spPr>
+        </c:majorGridlines>
+        <c:numFmt formatCode="General" sourceLinked="1"/>
+        <c:majorTickMark val="none"/>
+        <c:minorTickMark val="none"/>
+        <c:tickLblPos val="nextTo"/>
+        <c:spPr>
+          <a:noFill/>
+          <a:ln>
+            <a:noFill/>
+          </a:ln>
+          <a:effectLst/>
+        </c:spPr>
+        <c:txPr>
+          <a:bodyPr rot="-60000000" spcFirstLastPara="1" vertOverflow="ellipsis" vert="horz" wrap="square" anchor="ctr" anchorCtr="1"/>
+          <a:lstStyle/>
+          <a:p>
+            <a:pPr>
+              <a:defRPr sz="1197" b="0" i="0" u="none" strike="noStrike" kern="1200" baseline="0">
+                <a:solidFill>
+                  <a:schemeClr val="tx1">
+                    <a:lumMod val="65000"/>
+                    <a:lumOff val="35000"/>
+                  </a:schemeClr>
+                </a:solidFill>
+                <a:latin typeface="+mn-lt"/>
+                <a:ea typeface="+mn-ea"/>
+                <a:cs typeface="+mn-cs"/>
+              </a:defRPr>
+            </a:pPr>
+            <a:endParaRPr lang="en-US"/>
+          </a:p>
+        </c:txPr>
+        <c:crossAx val="1598851855"/>
+        <c:crosses val="autoZero"/>
+        <c:crossBetween val="between"/>
+      </c:valAx>
+      <c:spPr>
+        <a:noFill/>
+        <a:ln>
+          <a:noFill/>
+        </a:ln>
+        <a:effectLst/>
+      </c:spPr>
+    </c:plotArea>
+    <c:legend>
+      <c:legendPos val="b"/>
+      <c:layout/>
+      <c:overlay val="0"/>
+      <c:spPr>
+        <a:noFill/>
+        <a:ln>
+          <a:noFill/>
+        </a:ln>
+        <a:effectLst/>
+      </c:spPr>
+      <c:txPr>
+        <a:bodyPr rot="0" spcFirstLastPara="1" vertOverflow="ellipsis" vert="horz" wrap="square" anchor="ctr" anchorCtr="1"/>
+        <a:lstStyle/>
+        <a:p>
+          <a:pPr>
+            <a:defRPr sz="1197" b="0" i="0" u="none" strike="noStrike" kern="1200" baseline="0">
+              <a:solidFill>
+                <a:schemeClr val="tx1">
+                  <a:lumMod val="65000"/>
+                  <a:lumOff val="35000"/>
+                </a:schemeClr>
+              </a:solidFill>
+              <a:latin typeface="+mn-lt"/>
+              <a:ea typeface="+mn-ea"/>
+              <a:cs typeface="+mn-cs"/>
+            </a:defRPr>
+          </a:pPr>
+          <a:endParaRPr lang="en-US"/>
+        </a:p>
+      </c:txPr>
+    </c:legend>
+    <c:plotVisOnly val="1"/>
+    <c:dispBlanksAs val="gap"/>
+    <c:showDLblsOverMax val="0"/>
+  </c:chart>
+  <c:spPr>
+    <a:noFill/>
+    <a:ln>
+      <a:noFill/>
+    </a:ln>
+    <a:effectLst/>
+  </c:spPr>
+  <c:txPr>
+    <a:bodyPr/>
+    <a:lstStyle/>
+    <a:p>
+      <a:pPr>
+        <a:defRPr/>
+      </a:pPr>
+      <a:endParaRPr lang="en-US"/>
+    </a:p>
+  </c:txPr>
+  <c:externalData r:id="rId3">
+    <c:autoUpdate val="0"/>
+  </c:externalData>
+</c:chartSpace>
+</file>
+
+<file path=ppt/charts/chart3.xml><?xml version="1.0" encoding="utf-8"?>
+<c:chartSpace xmlns:c="http://schemas.openxmlformats.org/drawingml/2006/chart" xmlns:a="http://schemas.openxmlformats.org/drawingml/2006/main" xmlns:r="http://schemas.openxmlformats.org/officeDocument/2006/relationships" xmlns:c16r2="http://schemas.microsoft.com/office/drawing/2015/06/chart">
+  <c:date1904 val="0"/>
+  <c:lang val="tr-TR"/>
+  <c:roundedCorners val="0"/>
+  <mc:AlternateContent xmlns:mc="http://schemas.openxmlformats.org/markup-compatibility/2006">
+    <mc:Choice xmlns:c14="http://schemas.microsoft.com/office/drawing/2007/8/2/chart" Requires="c14">
+      <c14:style val="102"/>
+    </mc:Choice>
+    <mc:Fallback>
+      <c:style val="2"/>
+    </mc:Fallback>
+  </mc:AlternateContent>
+  <c:chart>
+    <c:title>
+      <c:tx>
+        <c:rich>
+          <a:bodyPr rot="0" spcFirstLastPara="1" vertOverflow="ellipsis" vert="horz" wrap="square" anchor="ctr" anchorCtr="1"/>
+          <a:lstStyle/>
+          <a:p>
+            <a:pPr>
+              <a:defRPr sz="1862" b="0" i="0" u="none" strike="noStrike" kern="1200" spc="0" baseline="0">
+                <a:solidFill>
+                  <a:schemeClr val="tx1">
+                    <a:lumMod val="65000"/>
+                    <a:lumOff val="35000"/>
+                  </a:schemeClr>
+                </a:solidFill>
+                <a:latin typeface="+mn-lt"/>
+                <a:ea typeface="+mn-ea"/>
+                <a:cs typeface="+mn-cs"/>
+              </a:defRPr>
+            </a:pPr>
+            <a:endParaRPr lang="en-US" dirty="0"/>
+          </a:p>
+        </c:rich>
+      </c:tx>
+      <c:layout/>
+      <c:overlay val="0"/>
+      <c:spPr>
+        <a:noFill/>
+        <a:ln>
+          <a:noFill/>
+        </a:ln>
+        <a:effectLst/>
+      </c:spPr>
+      <c:txPr>
+        <a:bodyPr rot="0" spcFirstLastPara="1" vertOverflow="ellipsis" vert="horz" wrap="square" anchor="ctr" anchorCtr="1"/>
+        <a:lstStyle/>
+        <a:p>
+          <a:pPr>
+            <a:defRPr sz="1862" b="0" i="0" u="none" strike="noStrike" kern="1200" spc="0" baseline="0">
+              <a:solidFill>
+                <a:schemeClr val="tx1">
+                  <a:lumMod val="65000"/>
+                  <a:lumOff val="35000"/>
+                </a:schemeClr>
+              </a:solidFill>
+              <a:latin typeface="+mn-lt"/>
+              <a:ea typeface="+mn-ea"/>
+              <a:cs typeface="+mn-cs"/>
+            </a:defRPr>
+          </a:pPr>
+          <a:endParaRPr lang="en-US"/>
+        </a:p>
+      </c:txPr>
+    </c:title>
+    <c:autoTitleDeleted val="0"/>
+    <c:plotArea>
+      <c:layout/>
+      <c:barChart>
+        <c:barDir val="col"/>
+        <c:grouping val="clustered"/>
+        <c:varyColors val="0"/>
+        <c:ser>
+          <c:idx val="0"/>
+          <c:order val="0"/>
+          <c:tx>
+            <c:strRef>
+              <c:f>Sayfa1!$B$1</c:f>
+              <c:strCache>
+                <c:ptCount val="1"/>
+                <c:pt idx="0">
+                  <c:v>Accuracy</c:v>
+                </c:pt>
+              </c:strCache>
+            </c:strRef>
+          </c:tx>
+          <c:spPr>
+            <a:solidFill>
+              <a:schemeClr val="accent1"/>
+            </a:solidFill>
+            <a:ln>
+              <a:noFill/>
+            </a:ln>
+            <a:effectLst/>
+          </c:spPr>
+          <c:invertIfNegative val="0"/>
+          <c:dLbls>
+            <c:spPr>
+              <a:noFill/>
+              <a:ln>
+                <a:noFill/>
+              </a:ln>
+              <a:effectLst/>
+            </c:spPr>
+            <c:txPr>
+              <a:bodyPr rot="0" spcFirstLastPara="1" vertOverflow="ellipsis" vert="horz" wrap="square" lIns="38100" tIns="19050" rIns="38100" bIns="19050" anchor="ctr" anchorCtr="1">
+                <a:spAutoFit/>
+              </a:bodyPr>
+              <a:lstStyle/>
+              <a:p>
+                <a:pPr>
+                  <a:defRPr sz="1197" b="0" i="0" u="none" strike="noStrike" kern="1200" baseline="0">
+                    <a:solidFill>
+                      <a:schemeClr val="tx1">
+                        <a:lumMod val="75000"/>
+                        <a:lumOff val="25000"/>
+                      </a:schemeClr>
+                    </a:solidFill>
+                    <a:latin typeface="+mn-lt"/>
+                    <a:ea typeface="+mn-ea"/>
+                    <a:cs typeface="+mn-cs"/>
+                  </a:defRPr>
+                </a:pPr>
+                <a:endParaRPr lang="en-US"/>
+              </a:p>
+            </c:txPr>
+            <c:dLblPos val="outEnd"/>
+            <c:showLegendKey val="0"/>
+            <c:showVal val="1"/>
+            <c:showCatName val="0"/>
+            <c:showSerName val="0"/>
+            <c:showPercent val="0"/>
+            <c:showBubbleSize val="0"/>
+            <c:showLeaderLines val="0"/>
+            <c:extLst>
+              <c:ext xmlns:c15="http://schemas.microsoft.com/office/drawing/2012/chart" uri="{CE6537A1-D6FC-4f65-9D91-7224C49458BB}">
+                <c15:layout/>
+                <c15:showLeaderLines val="1"/>
+                <c15:leaderLines>
+                  <c:spPr>
+                    <a:ln w="9525" cap="flat" cmpd="sng" algn="ctr">
+                      <a:solidFill>
+                        <a:schemeClr val="tx1">
+                          <a:lumMod val="35000"/>
+                          <a:lumOff val="65000"/>
+                        </a:schemeClr>
+                      </a:solidFill>
+                      <a:round/>
+                    </a:ln>
+                    <a:effectLst/>
+                  </c:spPr>
+                </c15:leaderLines>
+              </c:ext>
+            </c:extLst>
+          </c:dLbls>
+          <c:cat>
+            <c:strRef>
+              <c:f>Sayfa1!$A$2:$A$4</c:f>
+              <c:strCache>
+                <c:ptCount val="3"/>
+                <c:pt idx="0">
+                  <c:v>Test on Train</c:v>
+                </c:pt>
+                <c:pt idx="1">
+                  <c:v>0.9 Test</c:v>
+                </c:pt>
+                <c:pt idx="2">
+                  <c:v>10-Fold Cross Validation</c:v>
+                </c:pt>
+              </c:strCache>
+            </c:strRef>
+          </c:cat>
+          <c:val>
+            <c:numRef>
+              <c:f>Sayfa1!$B$2:$B$4</c:f>
+              <c:numCache>
+                <c:formatCode>General</c:formatCode>
+                <c:ptCount val="3"/>
+                <c:pt idx="0">
+                  <c:v>0.97</c:v>
+                </c:pt>
+                <c:pt idx="1">
+                  <c:v>0.85</c:v>
+                </c:pt>
+                <c:pt idx="2">
+                  <c:v>0.95</c:v>
+                </c:pt>
+              </c:numCache>
+            </c:numRef>
+          </c:val>
+          <c:extLst>
+            <c:ext xmlns:c16="http://schemas.microsoft.com/office/drawing/2014/chart" uri="{C3380CC4-5D6E-409C-BE32-E72D297353CC}">
+              <c16:uniqueId val="{00000000-3718-448D-97E2-6960885ACACE}"/>
+            </c:ext>
+          </c:extLst>
+        </c:ser>
+        <c:ser>
+          <c:idx val="1"/>
+          <c:order val="1"/>
+          <c:tx>
+            <c:strRef>
+              <c:f>Sayfa1!$C$1</c:f>
+              <c:strCache>
+                <c:ptCount val="1"/>
+                <c:pt idx="0">
+                  <c:v>F1 Score</c:v>
+                </c:pt>
+              </c:strCache>
+            </c:strRef>
+          </c:tx>
+          <c:spPr>
+            <a:solidFill>
+              <a:schemeClr val="accent2"/>
+            </a:solidFill>
+            <a:ln>
+              <a:noFill/>
+            </a:ln>
+            <a:effectLst/>
+          </c:spPr>
+          <c:invertIfNegative val="0"/>
+          <c:dLbls>
+            <c:spPr>
+              <a:noFill/>
+              <a:ln>
+                <a:noFill/>
+              </a:ln>
+              <a:effectLst/>
+            </c:spPr>
+            <c:txPr>
+              <a:bodyPr rot="0" spcFirstLastPara="1" vertOverflow="ellipsis" vert="horz" wrap="square" lIns="38100" tIns="19050" rIns="38100" bIns="19050" anchor="ctr" anchorCtr="1">
+                <a:spAutoFit/>
+              </a:bodyPr>
+              <a:lstStyle/>
+              <a:p>
+                <a:pPr>
+                  <a:defRPr sz="1197" b="0" i="0" u="none" strike="noStrike" kern="1200" baseline="0">
+                    <a:solidFill>
+                      <a:schemeClr val="tx1">
+                        <a:lumMod val="75000"/>
+                        <a:lumOff val="25000"/>
+                      </a:schemeClr>
+                    </a:solidFill>
+                    <a:latin typeface="+mn-lt"/>
+                    <a:ea typeface="+mn-ea"/>
+                    <a:cs typeface="+mn-cs"/>
+                  </a:defRPr>
+                </a:pPr>
+                <a:endParaRPr lang="en-US"/>
+              </a:p>
+            </c:txPr>
+            <c:dLblPos val="outEnd"/>
+            <c:showLegendKey val="0"/>
+            <c:showVal val="1"/>
+            <c:showCatName val="0"/>
+            <c:showSerName val="0"/>
+            <c:showPercent val="0"/>
+            <c:showBubbleSize val="0"/>
+            <c:showLeaderLines val="0"/>
+            <c:extLst>
+              <c:ext xmlns:c15="http://schemas.microsoft.com/office/drawing/2012/chart" uri="{CE6537A1-D6FC-4f65-9D91-7224C49458BB}">
+                <c15:layout/>
+                <c15:showLeaderLines val="1"/>
+                <c15:leaderLines>
+                  <c:spPr>
+                    <a:ln w="9525" cap="flat" cmpd="sng" algn="ctr">
+                      <a:solidFill>
+                        <a:schemeClr val="tx1">
+                          <a:lumMod val="35000"/>
+                          <a:lumOff val="65000"/>
+                        </a:schemeClr>
+                      </a:solidFill>
+                      <a:round/>
+                    </a:ln>
+                    <a:effectLst/>
+                  </c:spPr>
+                </c15:leaderLines>
+              </c:ext>
+            </c:extLst>
+          </c:dLbls>
+          <c:cat>
+            <c:strRef>
+              <c:f>Sayfa1!$A$2:$A$4</c:f>
+              <c:strCache>
+                <c:ptCount val="3"/>
+                <c:pt idx="0">
+                  <c:v>Test on Train</c:v>
+                </c:pt>
+                <c:pt idx="1">
+                  <c:v>0.9 Test</c:v>
+                </c:pt>
+                <c:pt idx="2">
+                  <c:v>10-Fold Cross Validation</c:v>
+                </c:pt>
+              </c:strCache>
+            </c:strRef>
+          </c:cat>
+          <c:val>
+            <c:numRef>
+              <c:f>Sayfa1!$C$2:$C$4</c:f>
+              <c:numCache>
+                <c:formatCode>General</c:formatCode>
+                <c:ptCount val="3"/>
+                <c:pt idx="0">
+                  <c:v>0.95</c:v>
+                </c:pt>
+                <c:pt idx="1">
+                  <c:v>0.69</c:v>
+                </c:pt>
+                <c:pt idx="2">
+                  <c:v>0.88</c:v>
+                </c:pt>
+              </c:numCache>
+            </c:numRef>
+          </c:val>
+          <c:extLst>
+            <c:ext xmlns:c16="http://schemas.microsoft.com/office/drawing/2014/chart" uri="{C3380CC4-5D6E-409C-BE32-E72D297353CC}">
+              <c16:uniqueId val="{00000001-3718-448D-97E2-6960885ACACE}"/>
+            </c:ext>
+          </c:extLst>
+        </c:ser>
+        <c:ser>
+          <c:idx val="2"/>
+          <c:order val="2"/>
+          <c:tx>
+            <c:strRef>
+              <c:f>Sayfa1!$D$1</c:f>
+              <c:strCache>
+                <c:ptCount val="1"/>
+                <c:pt idx="0">
+                  <c:v>Precion</c:v>
+                </c:pt>
+              </c:strCache>
+            </c:strRef>
+          </c:tx>
+          <c:spPr>
+            <a:solidFill>
+              <a:schemeClr val="accent3"/>
+            </a:solidFill>
+            <a:ln>
+              <a:noFill/>
+            </a:ln>
+            <a:effectLst/>
+          </c:spPr>
+          <c:invertIfNegative val="0"/>
+          <c:dLbls>
+            <c:spPr>
+              <a:noFill/>
+              <a:ln>
+                <a:noFill/>
+              </a:ln>
+              <a:effectLst/>
+            </c:spPr>
+            <c:txPr>
+              <a:bodyPr rot="0" spcFirstLastPara="1" vertOverflow="ellipsis" vert="horz" wrap="square" lIns="38100" tIns="19050" rIns="38100" bIns="19050" anchor="ctr" anchorCtr="1">
+                <a:spAutoFit/>
+              </a:bodyPr>
+              <a:lstStyle/>
+              <a:p>
+                <a:pPr>
+                  <a:defRPr sz="1197" b="0" i="0" u="none" strike="noStrike" kern="1200" baseline="0">
+                    <a:solidFill>
+                      <a:schemeClr val="tx1">
+                        <a:lumMod val="75000"/>
+                        <a:lumOff val="25000"/>
+                      </a:schemeClr>
+                    </a:solidFill>
+                    <a:latin typeface="+mn-lt"/>
+                    <a:ea typeface="+mn-ea"/>
+                    <a:cs typeface="+mn-cs"/>
+                  </a:defRPr>
+                </a:pPr>
+                <a:endParaRPr lang="en-US"/>
+              </a:p>
+            </c:txPr>
+            <c:dLblPos val="outEnd"/>
+            <c:showLegendKey val="0"/>
+            <c:showVal val="1"/>
+            <c:showCatName val="0"/>
+            <c:showSerName val="0"/>
+            <c:showPercent val="0"/>
+            <c:showBubbleSize val="0"/>
+            <c:showLeaderLines val="0"/>
+            <c:extLst>
+              <c:ext xmlns:c15="http://schemas.microsoft.com/office/drawing/2012/chart" uri="{CE6537A1-D6FC-4f65-9D91-7224C49458BB}">
+                <c15:layout/>
+                <c15:showLeaderLines val="1"/>
+                <c15:leaderLines>
+                  <c:spPr>
+                    <a:ln w="9525" cap="flat" cmpd="sng" algn="ctr">
+                      <a:solidFill>
+                        <a:schemeClr val="tx1">
+                          <a:lumMod val="35000"/>
+                          <a:lumOff val="65000"/>
+                        </a:schemeClr>
+                      </a:solidFill>
+                      <a:round/>
+                    </a:ln>
+                    <a:effectLst/>
+                  </c:spPr>
+                </c15:leaderLines>
+              </c:ext>
+            </c:extLst>
+          </c:dLbls>
+          <c:cat>
+            <c:strRef>
+              <c:f>Sayfa1!$A$2:$A$4</c:f>
+              <c:strCache>
+                <c:ptCount val="3"/>
+                <c:pt idx="0">
+                  <c:v>Test on Train</c:v>
+                </c:pt>
+                <c:pt idx="1">
+                  <c:v>0.9 Test</c:v>
+                </c:pt>
+                <c:pt idx="2">
+                  <c:v>10-Fold Cross Validation</c:v>
+                </c:pt>
+              </c:strCache>
+            </c:strRef>
+          </c:cat>
+          <c:val>
+            <c:numRef>
+              <c:f>Sayfa1!$D$2:$D$4</c:f>
+              <c:numCache>
+                <c:formatCode>General</c:formatCode>
+                <c:ptCount val="3"/>
+                <c:pt idx="0">
+                  <c:v>0.95</c:v>
+                </c:pt>
+                <c:pt idx="1">
+                  <c:v>0.77</c:v>
+                </c:pt>
+                <c:pt idx="2">
+                  <c:v>0.89</c:v>
+                </c:pt>
+              </c:numCache>
+            </c:numRef>
+          </c:val>
+          <c:extLst>
+            <c:ext xmlns:c16="http://schemas.microsoft.com/office/drawing/2014/chart" uri="{C3380CC4-5D6E-409C-BE32-E72D297353CC}">
+              <c16:uniqueId val="{00000002-3718-448D-97E2-6960885ACACE}"/>
+            </c:ext>
+          </c:extLst>
+        </c:ser>
+        <c:ser>
+          <c:idx val="3"/>
+          <c:order val="3"/>
+          <c:tx>
+            <c:strRef>
+              <c:f>Sayfa1!$E$1</c:f>
+              <c:strCache>
+                <c:ptCount val="1"/>
+                <c:pt idx="0">
+                  <c:v>Recall</c:v>
+                </c:pt>
+              </c:strCache>
+            </c:strRef>
+          </c:tx>
+          <c:spPr>
+            <a:solidFill>
+              <a:schemeClr val="accent4"/>
+            </a:solidFill>
+            <a:ln>
+              <a:noFill/>
+            </a:ln>
+            <a:effectLst/>
+          </c:spPr>
+          <c:invertIfNegative val="0"/>
+          <c:dLbls>
+            <c:spPr>
+              <a:noFill/>
+              <a:ln>
+                <a:noFill/>
+              </a:ln>
+              <a:effectLst/>
+            </c:spPr>
+            <c:txPr>
+              <a:bodyPr rot="0" spcFirstLastPara="1" vertOverflow="ellipsis" vert="horz" wrap="square" lIns="38100" tIns="19050" rIns="38100" bIns="19050" anchor="ctr" anchorCtr="1">
+                <a:spAutoFit/>
+              </a:bodyPr>
+              <a:lstStyle/>
+              <a:p>
+                <a:pPr>
+                  <a:defRPr sz="1197" b="0" i="0" u="none" strike="noStrike" kern="1200" baseline="0">
+                    <a:solidFill>
+                      <a:schemeClr val="tx1">
+                        <a:lumMod val="75000"/>
+                        <a:lumOff val="25000"/>
+                      </a:schemeClr>
+                    </a:solidFill>
+                    <a:latin typeface="+mn-lt"/>
+                    <a:ea typeface="+mn-ea"/>
+                    <a:cs typeface="+mn-cs"/>
+                  </a:defRPr>
+                </a:pPr>
+                <a:endParaRPr lang="en-US"/>
+              </a:p>
+            </c:txPr>
+            <c:dLblPos val="outEnd"/>
+            <c:showLegendKey val="0"/>
+            <c:showVal val="1"/>
+            <c:showCatName val="0"/>
+            <c:showSerName val="0"/>
+            <c:showPercent val="0"/>
+            <c:showBubbleSize val="0"/>
+            <c:showLeaderLines val="0"/>
+            <c:extLst>
+              <c:ext xmlns:c15="http://schemas.microsoft.com/office/drawing/2012/chart" uri="{CE6537A1-D6FC-4f65-9D91-7224C49458BB}">
+                <c15:layout/>
+                <c15:showLeaderLines val="1"/>
+                <c15:leaderLines>
+                  <c:spPr>
+                    <a:ln w="9525" cap="flat" cmpd="sng" algn="ctr">
+                      <a:solidFill>
+                        <a:schemeClr val="tx1">
+                          <a:lumMod val="35000"/>
+                          <a:lumOff val="65000"/>
+                        </a:schemeClr>
+                      </a:solidFill>
+                      <a:round/>
+                    </a:ln>
+                    <a:effectLst/>
+                  </c:spPr>
+                </c15:leaderLines>
+              </c:ext>
+            </c:extLst>
+          </c:dLbls>
+          <c:cat>
+            <c:strRef>
+              <c:f>Sayfa1!$A$2:$A$4</c:f>
+              <c:strCache>
+                <c:ptCount val="3"/>
+                <c:pt idx="0">
+                  <c:v>Test on Train</c:v>
+                </c:pt>
+                <c:pt idx="1">
+                  <c:v>0.9 Test</c:v>
+                </c:pt>
+                <c:pt idx="2">
+                  <c:v>10-Fold Cross Validation</c:v>
+                </c:pt>
+              </c:strCache>
+            </c:strRef>
+          </c:cat>
+          <c:val>
+            <c:numRef>
+              <c:f>Sayfa1!$E$2:$E$4</c:f>
+              <c:numCache>
+                <c:formatCode>General</c:formatCode>
+                <c:ptCount val="3"/>
+                <c:pt idx="0">
+                  <c:v>0.94</c:v>
+                </c:pt>
+                <c:pt idx="1">
+                  <c:v>0.68</c:v>
+                </c:pt>
+                <c:pt idx="2">
+                  <c:v>0.87</c:v>
+                </c:pt>
+              </c:numCache>
+            </c:numRef>
+          </c:val>
+          <c:extLst>
+            <c:ext xmlns:c16="http://schemas.microsoft.com/office/drawing/2014/chart" uri="{C3380CC4-5D6E-409C-BE32-E72D297353CC}">
+              <c16:uniqueId val="{00000003-3718-448D-97E2-6960885ACACE}"/>
+            </c:ext>
+          </c:extLst>
+        </c:ser>
+        <c:dLbls>
+          <c:showLegendKey val="0"/>
+          <c:showVal val="0"/>
+          <c:showCatName val="0"/>
+          <c:showSerName val="0"/>
+          <c:showPercent val="0"/>
+          <c:showBubbleSize val="0"/>
+        </c:dLbls>
+        <c:gapWidth val="219"/>
+        <c:overlap val="-27"/>
+        <c:axId val="1598851855"/>
+        <c:axId val="1598853935"/>
+      </c:barChart>
+      <c:catAx>
+        <c:axId val="1598851855"/>
+        <c:scaling>
+          <c:orientation val="minMax"/>
+        </c:scaling>
+        <c:delete val="0"/>
+        <c:axPos val="b"/>
+        <c:numFmt formatCode="General" sourceLinked="1"/>
+        <c:majorTickMark val="none"/>
+        <c:minorTickMark val="none"/>
+        <c:tickLblPos val="nextTo"/>
+        <c:spPr>
+          <a:noFill/>
+          <a:ln w="9525" cap="flat" cmpd="sng" algn="ctr">
+            <a:solidFill>
+              <a:schemeClr val="tx1">
+                <a:lumMod val="15000"/>
+                <a:lumOff val="85000"/>
+              </a:schemeClr>
+            </a:solidFill>
+            <a:round/>
+          </a:ln>
+          <a:effectLst/>
+        </c:spPr>
+        <c:txPr>
+          <a:bodyPr rot="-60000000" spcFirstLastPara="1" vertOverflow="ellipsis" vert="horz" wrap="square" anchor="ctr" anchorCtr="1"/>
+          <a:lstStyle/>
+          <a:p>
+            <a:pPr>
+              <a:defRPr sz="1197" b="0" i="0" u="none" strike="noStrike" kern="1200" baseline="0">
+                <a:solidFill>
+                  <a:schemeClr val="tx1">
+                    <a:lumMod val="65000"/>
+                    <a:lumOff val="35000"/>
+                  </a:schemeClr>
+                </a:solidFill>
+                <a:latin typeface="+mn-lt"/>
+                <a:ea typeface="+mn-ea"/>
+                <a:cs typeface="+mn-cs"/>
+              </a:defRPr>
+            </a:pPr>
+            <a:endParaRPr lang="en-US"/>
+          </a:p>
+        </c:txPr>
+        <c:crossAx val="1598853935"/>
+        <c:crosses val="autoZero"/>
+        <c:auto val="1"/>
+        <c:lblAlgn val="ctr"/>
+        <c:lblOffset val="100"/>
+        <c:noMultiLvlLbl val="0"/>
+      </c:catAx>
+      <c:valAx>
+        <c:axId val="1598853935"/>
+        <c:scaling>
+          <c:orientation val="minMax"/>
+        </c:scaling>
+        <c:delete val="0"/>
+        <c:axPos val="l"/>
+        <c:majorGridlines>
+          <c:spPr>
+            <a:ln w="9525" cap="flat" cmpd="sng" algn="ctr">
+              <a:solidFill>
+                <a:schemeClr val="tx1">
+                  <a:lumMod val="15000"/>
+                  <a:lumOff val="85000"/>
+                </a:schemeClr>
+              </a:solidFill>
+              <a:round/>
+            </a:ln>
+            <a:effectLst/>
+          </c:spPr>
+        </c:majorGridlines>
+        <c:numFmt formatCode="General" sourceLinked="1"/>
+        <c:majorTickMark val="none"/>
+        <c:minorTickMark val="none"/>
+        <c:tickLblPos val="nextTo"/>
+        <c:spPr>
+          <a:noFill/>
+          <a:ln>
+            <a:noFill/>
+          </a:ln>
+          <a:effectLst/>
+        </c:spPr>
+        <c:txPr>
+          <a:bodyPr rot="-60000000" spcFirstLastPara="1" vertOverflow="ellipsis" vert="horz" wrap="square" anchor="ctr" anchorCtr="1"/>
+          <a:lstStyle/>
+          <a:p>
+            <a:pPr>
+              <a:defRPr sz="1197" b="0" i="0" u="none" strike="noStrike" kern="1200" baseline="0">
+                <a:solidFill>
+                  <a:schemeClr val="tx1">
+                    <a:lumMod val="65000"/>
+                    <a:lumOff val="35000"/>
+                  </a:schemeClr>
+                </a:solidFill>
+                <a:latin typeface="+mn-lt"/>
+                <a:ea typeface="+mn-ea"/>
+                <a:cs typeface="+mn-cs"/>
+              </a:defRPr>
+            </a:pPr>
+            <a:endParaRPr lang="en-US"/>
+          </a:p>
+        </c:txPr>
+        <c:crossAx val="1598851855"/>
+        <c:crosses val="autoZero"/>
+        <c:crossBetween val="between"/>
+      </c:valAx>
+      <c:spPr>
+        <a:noFill/>
+        <a:ln>
+          <a:noFill/>
+        </a:ln>
+        <a:effectLst/>
+      </c:spPr>
+    </c:plotArea>
+    <c:legend>
+      <c:legendPos val="b"/>
+      <c:layout/>
+      <c:overlay val="0"/>
+      <c:spPr>
+        <a:noFill/>
+        <a:ln>
+          <a:noFill/>
+        </a:ln>
+        <a:effectLst/>
+      </c:spPr>
+      <c:txPr>
+        <a:bodyPr rot="0" spcFirstLastPara="1" vertOverflow="ellipsis" vert="horz" wrap="square" anchor="ctr" anchorCtr="1"/>
+        <a:lstStyle/>
+        <a:p>
+          <a:pPr>
+            <a:defRPr sz="1197" b="0" i="0" u="none" strike="noStrike" kern="1200" baseline="0">
+              <a:solidFill>
+                <a:schemeClr val="tx1">
+                  <a:lumMod val="65000"/>
+                  <a:lumOff val="35000"/>
+                </a:schemeClr>
+              </a:solidFill>
+              <a:latin typeface="+mn-lt"/>
+              <a:ea typeface="+mn-ea"/>
+              <a:cs typeface="+mn-cs"/>
+            </a:defRPr>
+          </a:pPr>
+          <a:endParaRPr lang="en-US"/>
+        </a:p>
+      </c:txPr>
+    </c:legend>
+    <c:plotVisOnly val="1"/>
+    <c:dispBlanksAs val="gap"/>
+    <c:showDLblsOverMax val="0"/>
+  </c:chart>
+  <c:spPr>
+    <a:noFill/>
+    <a:ln>
+      <a:noFill/>
+    </a:ln>
+    <a:effectLst/>
+  </c:spPr>
+  <c:txPr>
+    <a:bodyPr/>
+    <a:lstStyle/>
+    <a:p>
+      <a:pPr>
+        <a:defRPr/>
+      </a:pPr>
+      <a:endParaRPr lang="en-US"/>
+    </a:p>
+  </c:txPr>
+  <c:externalData r:id="rId3">
+    <c:autoUpdate val="0"/>
+  </c:externalData>
+</c:chartSpace>
+</file>
+
+<file path=ppt/charts/chart4.xml><?xml version="1.0" encoding="utf-8"?>
+<c:chartSpace xmlns:c="http://schemas.openxmlformats.org/drawingml/2006/chart" xmlns:a="http://schemas.openxmlformats.org/drawingml/2006/main" xmlns:r="http://schemas.openxmlformats.org/officeDocument/2006/relationships" xmlns:c16r2="http://schemas.microsoft.com/office/drawing/2015/06/chart">
+  <c:date1904 val="0"/>
+  <c:lang val="tr-TR"/>
+  <c:roundedCorners val="0"/>
+  <mc:AlternateContent xmlns:mc="http://schemas.openxmlformats.org/markup-compatibility/2006">
+    <mc:Choice xmlns:c14="http://schemas.microsoft.com/office/drawing/2007/8/2/chart" Requires="c14">
+      <c14:style val="102"/>
+    </mc:Choice>
+    <mc:Fallback>
+      <c:style val="2"/>
+    </mc:Fallback>
+  </mc:AlternateContent>
+  <c:chart>
+    <c:title>
+      <c:tx>
+        <c:rich>
+          <a:bodyPr rot="0" spcFirstLastPara="1" vertOverflow="ellipsis" vert="horz" wrap="square" anchor="ctr" anchorCtr="1"/>
+          <a:lstStyle/>
+          <a:p>
+            <a:pPr>
+              <a:defRPr sz="1862" b="0" i="0" u="none" strike="noStrike" kern="1200" spc="0" baseline="0">
+                <a:solidFill>
+                  <a:schemeClr val="tx1">
+                    <a:lumMod val="65000"/>
+                    <a:lumOff val="35000"/>
+                  </a:schemeClr>
+                </a:solidFill>
+                <a:latin typeface="+mn-lt"/>
+                <a:ea typeface="+mn-ea"/>
+                <a:cs typeface="+mn-cs"/>
+              </a:defRPr>
+            </a:pPr>
+            <a:endParaRPr lang="en-US" dirty="0"/>
+          </a:p>
+        </c:rich>
+      </c:tx>
+      <c:layout/>
+      <c:overlay val="0"/>
+      <c:spPr>
+        <a:noFill/>
+        <a:ln>
+          <a:noFill/>
+        </a:ln>
+        <a:effectLst/>
+      </c:spPr>
+      <c:txPr>
+        <a:bodyPr rot="0" spcFirstLastPara="1" vertOverflow="ellipsis" vert="horz" wrap="square" anchor="ctr" anchorCtr="1"/>
+        <a:lstStyle/>
+        <a:p>
+          <a:pPr>
+            <a:defRPr sz="1862" b="0" i="0" u="none" strike="noStrike" kern="1200" spc="0" baseline="0">
+              <a:solidFill>
+                <a:schemeClr val="tx1">
+                  <a:lumMod val="65000"/>
+                  <a:lumOff val="35000"/>
+                </a:schemeClr>
+              </a:solidFill>
+              <a:latin typeface="+mn-lt"/>
+              <a:ea typeface="+mn-ea"/>
+              <a:cs typeface="+mn-cs"/>
+            </a:defRPr>
+          </a:pPr>
+          <a:endParaRPr lang="en-US"/>
+        </a:p>
+      </c:txPr>
+    </c:title>
+    <c:autoTitleDeleted val="0"/>
+    <c:plotArea>
+      <c:layout/>
+      <c:barChart>
+        <c:barDir val="col"/>
+        <c:grouping val="clustered"/>
+        <c:varyColors val="0"/>
+        <c:ser>
+          <c:idx val="0"/>
+          <c:order val="0"/>
+          <c:tx>
+            <c:strRef>
+              <c:f>Sayfa1!$B$1</c:f>
+              <c:strCache>
+                <c:ptCount val="1"/>
+                <c:pt idx="0">
+                  <c:v>Accuracy</c:v>
+                </c:pt>
+              </c:strCache>
+            </c:strRef>
+          </c:tx>
+          <c:spPr>
+            <a:solidFill>
+              <a:schemeClr val="accent1"/>
+            </a:solidFill>
+            <a:ln>
+              <a:noFill/>
+            </a:ln>
+            <a:effectLst/>
+          </c:spPr>
+          <c:invertIfNegative val="0"/>
+          <c:dLbls>
+            <c:spPr>
+              <a:noFill/>
+              <a:ln>
+                <a:noFill/>
+              </a:ln>
+              <a:effectLst/>
+            </c:spPr>
+            <c:txPr>
+              <a:bodyPr rot="0" spcFirstLastPara="1" vertOverflow="ellipsis" vert="horz" wrap="square" lIns="38100" tIns="19050" rIns="38100" bIns="19050" anchor="ctr" anchorCtr="1">
+                <a:spAutoFit/>
+              </a:bodyPr>
+              <a:lstStyle/>
+              <a:p>
+                <a:pPr>
+                  <a:defRPr sz="1197" b="0" i="0" u="none" strike="noStrike" kern="1200" baseline="0">
+                    <a:solidFill>
+                      <a:schemeClr val="tx1">
+                        <a:lumMod val="75000"/>
+                        <a:lumOff val="25000"/>
+                      </a:schemeClr>
+                    </a:solidFill>
+                    <a:latin typeface="+mn-lt"/>
+                    <a:ea typeface="+mn-ea"/>
+                    <a:cs typeface="+mn-cs"/>
+                  </a:defRPr>
+                </a:pPr>
+                <a:endParaRPr lang="en-US"/>
+              </a:p>
+            </c:txPr>
+            <c:dLblPos val="outEnd"/>
+            <c:showLegendKey val="0"/>
+            <c:showVal val="1"/>
+            <c:showCatName val="0"/>
+            <c:showSerName val="0"/>
+            <c:showPercent val="0"/>
+            <c:showBubbleSize val="0"/>
+            <c:showLeaderLines val="0"/>
+            <c:extLst>
+              <c:ext xmlns:c15="http://schemas.microsoft.com/office/drawing/2012/chart" uri="{CE6537A1-D6FC-4f65-9D91-7224C49458BB}">
+                <c15:layout/>
+                <c15:showLeaderLines val="1"/>
+                <c15:leaderLines>
+                  <c:spPr>
+                    <a:ln w="9525" cap="flat" cmpd="sng" algn="ctr">
+                      <a:solidFill>
+                        <a:schemeClr val="tx1">
+                          <a:lumMod val="35000"/>
+                          <a:lumOff val="65000"/>
+                        </a:schemeClr>
+                      </a:solidFill>
+                      <a:round/>
+                    </a:ln>
+                    <a:effectLst/>
+                  </c:spPr>
+                </c15:leaderLines>
+              </c:ext>
+            </c:extLst>
+          </c:dLbls>
+          <c:cat>
+            <c:strRef>
+              <c:f>Sayfa1!$A$2:$A$4</c:f>
+              <c:strCache>
+                <c:ptCount val="3"/>
+                <c:pt idx="0">
+                  <c:v>Test on Train</c:v>
+                </c:pt>
+                <c:pt idx="1">
+                  <c:v>0.9 Test</c:v>
+                </c:pt>
+                <c:pt idx="2">
+                  <c:v>10-Fold Cross Validation</c:v>
+                </c:pt>
+              </c:strCache>
+            </c:strRef>
+          </c:cat>
+          <c:val>
+            <c:numRef>
+              <c:f>Sayfa1!$B$2:$B$4</c:f>
+              <c:numCache>
+                <c:formatCode>General</c:formatCode>
+                <c:ptCount val="3"/>
+                <c:pt idx="0">
+                  <c:v>0.96</c:v>
+                </c:pt>
+                <c:pt idx="1">
+                  <c:v>0.85</c:v>
+                </c:pt>
+                <c:pt idx="2">
+                  <c:v>0.95</c:v>
+                </c:pt>
+              </c:numCache>
+            </c:numRef>
+          </c:val>
+          <c:extLst>
+            <c:ext xmlns:c16="http://schemas.microsoft.com/office/drawing/2014/chart" uri="{C3380CC4-5D6E-409C-BE32-E72D297353CC}">
+              <c16:uniqueId val="{00000000-1BFD-497A-87C0-71C3E6110892}"/>
+            </c:ext>
+          </c:extLst>
+        </c:ser>
+        <c:ser>
+          <c:idx val="1"/>
+          <c:order val="1"/>
+          <c:tx>
+            <c:strRef>
+              <c:f>Sayfa1!$C$1</c:f>
+              <c:strCache>
+                <c:ptCount val="1"/>
+                <c:pt idx="0">
+                  <c:v>F1 Score</c:v>
+                </c:pt>
+              </c:strCache>
+            </c:strRef>
+          </c:tx>
+          <c:spPr>
+            <a:solidFill>
+              <a:schemeClr val="accent2"/>
+            </a:solidFill>
+            <a:ln>
+              <a:noFill/>
+            </a:ln>
+            <a:effectLst/>
+          </c:spPr>
+          <c:invertIfNegative val="0"/>
+          <c:dLbls>
+            <c:spPr>
+              <a:noFill/>
+              <a:ln>
+                <a:noFill/>
+              </a:ln>
+              <a:effectLst/>
+            </c:spPr>
+            <c:txPr>
+              <a:bodyPr rot="0" spcFirstLastPara="1" vertOverflow="ellipsis" vert="horz" wrap="square" lIns="38100" tIns="19050" rIns="38100" bIns="19050" anchor="ctr" anchorCtr="1">
+                <a:spAutoFit/>
+              </a:bodyPr>
+              <a:lstStyle/>
+              <a:p>
+                <a:pPr>
+                  <a:defRPr sz="1197" b="0" i="0" u="none" strike="noStrike" kern="1200" baseline="0">
+                    <a:solidFill>
+                      <a:schemeClr val="tx1">
+                        <a:lumMod val="75000"/>
+                        <a:lumOff val="25000"/>
+                      </a:schemeClr>
+                    </a:solidFill>
+                    <a:latin typeface="+mn-lt"/>
+                    <a:ea typeface="+mn-ea"/>
+                    <a:cs typeface="+mn-cs"/>
+                  </a:defRPr>
+                </a:pPr>
+                <a:endParaRPr lang="en-US"/>
+              </a:p>
+            </c:txPr>
+            <c:dLblPos val="outEnd"/>
+            <c:showLegendKey val="0"/>
+            <c:showVal val="1"/>
+            <c:showCatName val="0"/>
+            <c:showSerName val="0"/>
+            <c:showPercent val="0"/>
+            <c:showBubbleSize val="0"/>
+            <c:showLeaderLines val="0"/>
+            <c:extLst>
+              <c:ext xmlns:c15="http://schemas.microsoft.com/office/drawing/2012/chart" uri="{CE6537A1-D6FC-4f65-9D91-7224C49458BB}">
+                <c15:layout/>
+                <c15:showLeaderLines val="1"/>
+                <c15:leaderLines>
+                  <c:spPr>
+                    <a:ln w="9525" cap="flat" cmpd="sng" algn="ctr">
+                      <a:solidFill>
+                        <a:schemeClr val="tx1">
+                          <a:lumMod val="35000"/>
+                          <a:lumOff val="65000"/>
+                        </a:schemeClr>
+                      </a:solidFill>
+                      <a:round/>
+                    </a:ln>
+                    <a:effectLst/>
+                  </c:spPr>
+                </c15:leaderLines>
+              </c:ext>
+            </c:extLst>
+          </c:dLbls>
+          <c:cat>
+            <c:strRef>
+              <c:f>Sayfa1!$A$2:$A$4</c:f>
+              <c:strCache>
+                <c:ptCount val="3"/>
+                <c:pt idx="0">
+                  <c:v>Test on Train</c:v>
+                </c:pt>
+                <c:pt idx="1">
+                  <c:v>0.9 Test</c:v>
+                </c:pt>
+                <c:pt idx="2">
+                  <c:v>10-Fold Cross Validation</c:v>
+                </c:pt>
+              </c:strCache>
+            </c:strRef>
+          </c:cat>
+          <c:val>
+            <c:numRef>
+              <c:f>Sayfa1!$C$2:$C$4</c:f>
+              <c:numCache>
+                <c:formatCode>General</c:formatCode>
+                <c:ptCount val="3"/>
+                <c:pt idx="0">
+                  <c:v>0.95</c:v>
+                </c:pt>
+                <c:pt idx="1">
+                  <c:v>0.71</c:v>
+                </c:pt>
+                <c:pt idx="2">
+                  <c:v>0.93</c:v>
+                </c:pt>
+              </c:numCache>
+            </c:numRef>
+          </c:val>
+          <c:extLst>
+            <c:ext xmlns:c16="http://schemas.microsoft.com/office/drawing/2014/chart" uri="{C3380CC4-5D6E-409C-BE32-E72D297353CC}">
+              <c16:uniqueId val="{00000001-1BFD-497A-87C0-71C3E6110892}"/>
+            </c:ext>
+          </c:extLst>
+        </c:ser>
+        <c:ser>
+          <c:idx val="2"/>
+          <c:order val="2"/>
+          <c:tx>
+            <c:strRef>
+              <c:f>Sayfa1!$D$1</c:f>
+              <c:strCache>
+                <c:ptCount val="1"/>
+                <c:pt idx="0">
+                  <c:v>Precion</c:v>
+                </c:pt>
+              </c:strCache>
+            </c:strRef>
+          </c:tx>
+          <c:spPr>
+            <a:solidFill>
+              <a:schemeClr val="accent3"/>
+            </a:solidFill>
+            <a:ln>
+              <a:noFill/>
+            </a:ln>
+            <a:effectLst/>
+          </c:spPr>
+          <c:invertIfNegative val="0"/>
+          <c:dLbls>
+            <c:spPr>
+              <a:noFill/>
+              <a:ln>
+                <a:noFill/>
+              </a:ln>
+              <a:effectLst/>
+            </c:spPr>
+            <c:txPr>
+              <a:bodyPr rot="0" spcFirstLastPara="1" vertOverflow="ellipsis" vert="horz" wrap="square" lIns="38100" tIns="19050" rIns="38100" bIns="19050" anchor="ctr" anchorCtr="1">
+                <a:spAutoFit/>
+              </a:bodyPr>
+              <a:lstStyle/>
+              <a:p>
+                <a:pPr>
+                  <a:defRPr sz="1197" b="0" i="0" u="none" strike="noStrike" kern="1200" baseline="0">
+                    <a:solidFill>
+                      <a:schemeClr val="tx1">
+                        <a:lumMod val="75000"/>
+                        <a:lumOff val="25000"/>
+                      </a:schemeClr>
+                    </a:solidFill>
+                    <a:latin typeface="+mn-lt"/>
+                    <a:ea typeface="+mn-ea"/>
+                    <a:cs typeface="+mn-cs"/>
+                  </a:defRPr>
+                </a:pPr>
+                <a:endParaRPr lang="en-US"/>
+              </a:p>
+            </c:txPr>
+            <c:dLblPos val="outEnd"/>
+            <c:showLegendKey val="0"/>
+            <c:showVal val="1"/>
+            <c:showCatName val="0"/>
+            <c:showSerName val="0"/>
+            <c:showPercent val="0"/>
+            <c:showBubbleSize val="0"/>
+            <c:showLeaderLines val="0"/>
+            <c:extLst>
+              <c:ext xmlns:c15="http://schemas.microsoft.com/office/drawing/2012/chart" uri="{CE6537A1-D6FC-4f65-9D91-7224C49458BB}">
+                <c15:layout/>
+                <c15:showLeaderLines val="1"/>
+                <c15:leaderLines>
+                  <c:spPr>
+                    <a:ln w="9525" cap="flat" cmpd="sng" algn="ctr">
+                      <a:solidFill>
+                        <a:schemeClr val="tx1">
+                          <a:lumMod val="35000"/>
+                          <a:lumOff val="65000"/>
+                        </a:schemeClr>
+                      </a:solidFill>
+                      <a:round/>
+                    </a:ln>
+                    <a:effectLst/>
+                  </c:spPr>
+                </c15:leaderLines>
+              </c:ext>
+            </c:extLst>
+          </c:dLbls>
+          <c:cat>
+            <c:strRef>
+              <c:f>Sayfa1!$A$2:$A$4</c:f>
+              <c:strCache>
+                <c:ptCount val="3"/>
+                <c:pt idx="0">
+                  <c:v>Test on Train</c:v>
+                </c:pt>
+                <c:pt idx="1">
+                  <c:v>0.9 Test</c:v>
+                </c:pt>
+                <c:pt idx="2">
+                  <c:v>10-Fold Cross Validation</c:v>
+                </c:pt>
+              </c:strCache>
+            </c:strRef>
+          </c:cat>
+          <c:val>
+            <c:numRef>
+              <c:f>Sayfa1!$D$2:$D$4</c:f>
+              <c:numCache>
+                <c:formatCode>General</c:formatCode>
+                <c:ptCount val="3"/>
+                <c:pt idx="0">
+                  <c:v>0.97</c:v>
+                </c:pt>
+                <c:pt idx="1">
+                  <c:v>0.72199999999999998</c:v>
+                </c:pt>
+                <c:pt idx="2">
+                  <c:v>0.93</c:v>
+                </c:pt>
+              </c:numCache>
+            </c:numRef>
+          </c:val>
+          <c:extLst>
+            <c:ext xmlns:c16="http://schemas.microsoft.com/office/drawing/2014/chart" uri="{C3380CC4-5D6E-409C-BE32-E72D297353CC}">
+              <c16:uniqueId val="{00000002-1BFD-497A-87C0-71C3E6110892}"/>
+            </c:ext>
+          </c:extLst>
+        </c:ser>
+        <c:ser>
+          <c:idx val="3"/>
+          <c:order val="3"/>
+          <c:tx>
+            <c:strRef>
+              <c:f>Sayfa1!$E$1</c:f>
+              <c:strCache>
+                <c:ptCount val="1"/>
+                <c:pt idx="0">
+                  <c:v>Recall</c:v>
+                </c:pt>
+              </c:strCache>
+            </c:strRef>
+          </c:tx>
+          <c:spPr>
+            <a:solidFill>
+              <a:schemeClr val="accent4"/>
+            </a:solidFill>
+            <a:ln>
+              <a:noFill/>
+            </a:ln>
+            <a:effectLst/>
+          </c:spPr>
+          <c:invertIfNegative val="0"/>
+          <c:dLbls>
+            <c:spPr>
+              <a:noFill/>
+              <a:ln>
+                <a:noFill/>
+              </a:ln>
+              <a:effectLst/>
+            </c:spPr>
+            <c:txPr>
+              <a:bodyPr rot="0" spcFirstLastPara="1" vertOverflow="ellipsis" vert="horz" wrap="square" lIns="38100" tIns="19050" rIns="38100" bIns="19050" anchor="ctr" anchorCtr="1">
+                <a:spAutoFit/>
+              </a:bodyPr>
+              <a:lstStyle/>
+              <a:p>
+                <a:pPr>
+                  <a:defRPr sz="1197" b="0" i="0" u="none" strike="noStrike" kern="1200" baseline="0">
+                    <a:solidFill>
+                      <a:schemeClr val="tx1">
+                        <a:lumMod val="75000"/>
+                        <a:lumOff val="25000"/>
+                      </a:schemeClr>
+                    </a:solidFill>
+                    <a:latin typeface="+mn-lt"/>
+                    <a:ea typeface="+mn-ea"/>
+                    <a:cs typeface="+mn-cs"/>
+                  </a:defRPr>
+                </a:pPr>
+                <a:endParaRPr lang="en-US"/>
+              </a:p>
+            </c:txPr>
+            <c:dLblPos val="outEnd"/>
+            <c:showLegendKey val="0"/>
+            <c:showVal val="1"/>
+            <c:showCatName val="0"/>
+            <c:showSerName val="0"/>
+            <c:showPercent val="0"/>
+            <c:showBubbleSize val="0"/>
+            <c:showLeaderLines val="0"/>
+            <c:extLst>
+              <c:ext xmlns:c15="http://schemas.microsoft.com/office/drawing/2012/chart" uri="{CE6537A1-D6FC-4f65-9D91-7224C49458BB}">
+                <c15:layout/>
+                <c15:showLeaderLines val="1"/>
+                <c15:leaderLines>
+                  <c:spPr>
+                    <a:ln w="9525" cap="flat" cmpd="sng" algn="ctr">
+                      <a:solidFill>
+                        <a:schemeClr val="tx1">
+                          <a:lumMod val="35000"/>
+                          <a:lumOff val="65000"/>
+                        </a:schemeClr>
+                      </a:solidFill>
+                      <a:round/>
+                    </a:ln>
+                    <a:effectLst/>
+                  </c:spPr>
+                </c15:leaderLines>
+              </c:ext>
+            </c:extLst>
+          </c:dLbls>
+          <c:cat>
+            <c:strRef>
+              <c:f>Sayfa1!$A$2:$A$4</c:f>
+              <c:strCache>
+                <c:ptCount val="3"/>
+                <c:pt idx="0">
+                  <c:v>Test on Train</c:v>
+                </c:pt>
+                <c:pt idx="1">
+                  <c:v>0.9 Test</c:v>
+                </c:pt>
+                <c:pt idx="2">
+                  <c:v>10-Fold Cross Validation</c:v>
+                </c:pt>
+              </c:strCache>
+            </c:strRef>
+          </c:cat>
+          <c:val>
+            <c:numRef>
+              <c:f>Sayfa1!$E$2:$E$4</c:f>
+              <c:numCache>
+                <c:formatCode>General</c:formatCode>
+                <c:ptCount val="3"/>
+                <c:pt idx="0">
+                  <c:v>0.96</c:v>
+                </c:pt>
+                <c:pt idx="1">
+                  <c:v>0.74399999999999999</c:v>
+                </c:pt>
+                <c:pt idx="2">
+                  <c:v>0.91</c:v>
+                </c:pt>
+              </c:numCache>
+            </c:numRef>
+          </c:val>
+          <c:extLst>
+            <c:ext xmlns:c16="http://schemas.microsoft.com/office/drawing/2014/chart" uri="{C3380CC4-5D6E-409C-BE32-E72D297353CC}">
+              <c16:uniqueId val="{00000003-1BFD-497A-87C0-71C3E6110892}"/>
+            </c:ext>
+          </c:extLst>
+        </c:ser>
+        <c:dLbls>
+          <c:showLegendKey val="0"/>
+          <c:showVal val="0"/>
+          <c:showCatName val="0"/>
+          <c:showSerName val="0"/>
+          <c:showPercent val="0"/>
+          <c:showBubbleSize val="0"/>
+        </c:dLbls>
+        <c:gapWidth val="219"/>
+        <c:overlap val="-27"/>
+        <c:axId val="1598851855"/>
+        <c:axId val="1598853935"/>
+      </c:barChart>
+      <c:catAx>
+        <c:axId val="1598851855"/>
+        <c:scaling>
+          <c:orientation val="minMax"/>
+        </c:scaling>
+        <c:delete val="0"/>
+        <c:axPos val="b"/>
+        <c:numFmt formatCode="General" sourceLinked="1"/>
+        <c:majorTickMark val="none"/>
+        <c:minorTickMark val="none"/>
+        <c:tickLblPos val="nextTo"/>
+        <c:spPr>
+          <a:noFill/>
+          <a:ln w="9525" cap="flat" cmpd="sng" algn="ctr">
+            <a:solidFill>
+              <a:schemeClr val="tx1">
+                <a:lumMod val="15000"/>
+                <a:lumOff val="85000"/>
+              </a:schemeClr>
+            </a:solidFill>
+            <a:round/>
+          </a:ln>
+          <a:effectLst/>
+        </c:spPr>
+        <c:txPr>
+          <a:bodyPr rot="-60000000" spcFirstLastPara="1" vertOverflow="ellipsis" vert="horz" wrap="square" anchor="ctr" anchorCtr="1"/>
+          <a:lstStyle/>
+          <a:p>
+            <a:pPr>
+              <a:defRPr sz="1197" b="0" i="0" u="none" strike="noStrike" kern="1200" baseline="0">
+                <a:solidFill>
+                  <a:schemeClr val="tx1">
+                    <a:lumMod val="65000"/>
+                    <a:lumOff val="35000"/>
+                  </a:schemeClr>
+                </a:solidFill>
+                <a:latin typeface="+mn-lt"/>
+                <a:ea typeface="+mn-ea"/>
+                <a:cs typeface="+mn-cs"/>
+              </a:defRPr>
+            </a:pPr>
+            <a:endParaRPr lang="en-US"/>
+          </a:p>
+        </c:txPr>
+        <c:crossAx val="1598853935"/>
+        <c:crosses val="autoZero"/>
+        <c:auto val="1"/>
+        <c:lblAlgn val="ctr"/>
+        <c:lblOffset val="100"/>
+        <c:noMultiLvlLbl val="0"/>
+      </c:catAx>
+      <c:valAx>
+        <c:axId val="1598853935"/>
+        <c:scaling>
+          <c:orientation val="minMax"/>
+        </c:scaling>
+        <c:delete val="0"/>
+        <c:axPos val="l"/>
+        <c:majorGridlines>
+          <c:spPr>
+            <a:ln w="9525" cap="flat" cmpd="sng" algn="ctr">
+              <a:solidFill>
+                <a:schemeClr val="tx1">
+                  <a:lumMod val="15000"/>
+                  <a:lumOff val="85000"/>
+                </a:schemeClr>
+              </a:solidFill>
+              <a:round/>
+            </a:ln>
+            <a:effectLst/>
+          </c:spPr>
+        </c:majorGridlines>
+        <c:numFmt formatCode="General" sourceLinked="1"/>
+        <c:majorTickMark val="none"/>
+        <c:minorTickMark val="none"/>
+        <c:tickLblPos val="nextTo"/>
+        <c:spPr>
+          <a:noFill/>
+          <a:ln>
+            <a:noFill/>
+          </a:ln>
+          <a:effectLst/>
+        </c:spPr>
+        <c:txPr>
+          <a:bodyPr rot="-60000000" spcFirstLastPara="1" vertOverflow="ellipsis" vert="horz" wrap="square" anchor="ctr" anchorCtr="1"/>
+          <a:lstStyle/>
+          <a:p>
+            <a:pPr>
+              <a:defRPr sz="1197" b="0" i="0" u="none" strike="noStrike" kern="1200" baseline="0">
+                <a:solidFill>
+                  <a:schemeClr val="tx1">
+                    <a:lumMod val="65000"/>
+                    <a:lumOff val="35000"/>
+                  </a:schemeClr>
+                </a:solidFill>
+                <a:latin typeface="+mn-lt"/>
+                <a:ea typeface="+mn-ea"/>
+                <a:cs typeface="+mn-cs"/>
+              </a:defRPr>
+            </a:pPr>
+            <a:endParaRPr lang="en-US"/>
+          </a:p>
+        </c:txPr>
+        <c:crossAx val="1598851855"/>
+        <c:crosses val="autoZero"/>
+        <c:crossBetween val="between"/>
+      </c:valAx>
+      <c:spPr>
+        <a:noFill/>
+        <a:ln>
+          <a:noFill/>
+        </a:ln>
+        <a:effectLst/>
+      </c:spPr>
+    </c:plotArea>
+    <c:legend>
+      <c:legendPos val="b"/>
+      <c:layout/>
+      <c:overlay val="0"/>
+      <c:spPr>
+        <a:noFill/>
+        <a:ln>
+          <a:noFill/>
+        </a:ln>
+        <a:effectLst/>
+      </c:spPr>
+      <c:txPr>
+        <a:bodyPr rot="0" spcFirstLastPara="1" vertOverflow="ellipsis" vert="horz" wrap="square" anchor="ctr" anchorCtr="1"/>
+        <a:lstStyle/>
+        <a:p>
+          <a:pPr>
+            <a:defRPr sz="1197" b="0" i="0" u="none" strike="noStrike" kern="1200" baseline="0">
+              <a:solidFill>
+                <a:schemeClr val="tx1">
+                  <a:lumMod val="65000"/>
+                  <a:lumOff val="35000"/>
+                </a:schemeClr>
+              </a:solidFill>
+              <a:latin typeface="+mn-lt"/>
+              <a:ea typeface="+mn-ea"/>
+              <a:cs typeface="+mn-cs"/>
+            </a:defRPr>
+          </a:pPr>
+          <a:endParaRPr lang="en-US"/>
+        </a:p>
+      </c:txPr>
+    </c:legend>
+    <c:plotVisOnly val="1"/>
+    <c:dispBlanksAs val="gap"/>
+    <c:showDLblsOverMax val="0"/>
+  </c:chart>
+  <c:spPr>
+    <a:noFill/>
+    <a:ln>
+      <a:noFill/>
+    </a:ln>
+    <a:effectLst/>
+  </c:spPr>
+  <c:txPr>
+    <a:bodyPr/>
+    <a:lstStyle/>
+    <a:p>
+      <a:pPr>
+        <a:defRPr/>
+      </a:pPr>
+      <a:endParaRPr lang="en-US"/>
+    </a:p>
+  </c:txPr>
+  <c:externalData r:id="rId3">
+    <c:autoUpdate val="0"/>
+  </c:externalData>
+</c:chartSpace>
+</file>
+
 <file path=ppt/charts/colors1.xml><?xml version="1.0" encoding="utf-8"?>
+<cs:colorStyle xmlns:cs="http://schemas.microsoft.com/office/drawing/2012/chartStyle" xmlns:a="http://schemas.openxmlformats.org/drawingml/2006/main" meth="cycle" id="10">
+  <a:schemeClr val="accent1"/>
+  <a:schemeClr val="accent2"/>
+  <a:schemeClr val="accent3"/>
+  <a:schemeClr val="accent4"/>
+  <a:schemeClr val="accent5"/>
+  <a:schemeClr val="accent6"/>
+  <cs:variation/>
+  <cs:variation>
+    <a:lumMod val="60000"/>
+  </cs:variation>
+  <cs:variation>
+    <a:lumMod val="80000"/>
+    <a:lumOff val="20000"/>
+  </cs:variation>
+  <cs:variation>
+    <a:lumMod val="80000"/>
+  </cs:variation>
+  <cs:variation>
+    <a:lumMod val="60000"/>
+    <a:lumOff val="40000"/>
+  </cs:variation>
+  <cs:variation>
+    <a:lumMod val="50000"/>
+  </cs:variation>
+  <cs:variation>
+    <a:lumMod val="70000"/>
+    <a:lumOff val="30000"/>
+  </cs:variation>
+  <cs:variation>
+    <a:lumMod val="70000"/>
+  </cs:variation>
+  <cs:variation>
+    <a:lumMod val="50000"/>
+    <a:lumOff val="50000"/>
+  </cs:variation>
+</cs:colorStyle>
+</file>
+
+<file path=ppt/charts/colors2.xml><?xml version="1.0" encoding="utf-8"?>
+<cs:colorStyle xmlns:cs="http://schemas.microsoft.com/office/drawing/2012/chartStyle" xmlns:a="http://schemas.openxmlformats.org/drawingml/2006/main" meth="cycle" id="10">
+  <a:schemeClr val="accent1"/>
+  <a:schemeClr val="accent2"/>
+  <a:schemeClr val="accent3"/>
+  <a:schemeClr val="accent4"/>
+  <a:schemeClr val="accent5"/>
+  <a:schemeClr val="accent6"/>
+  <cs:variation/>
+  <cs:variation>
+    <a:lumMod val="60000"/>
+  </cs:variation>
+  <cs:variation>
+    <a:lumMod val="80000"/>
+    <a:lumOff val="20000"/>
+  </cs:variation>
+  <cs:variation>
+    <a:lumMod val="80000"/>
+  </cs:variation>
+  <cs:variation>
+    <a:lumMod val="60000"/>
+    <a:lumOff val="40000"/>
+  </cs:variation>
+  <cs:variation>
+    <a:lumMod val="50000"/>
+  </cs:variation>
+  <cs:variation>
+    <a:lumMod val="70000"/>
+    <a:lumOff val="30000"/>
+  </cs:variation>
+  <cs:variation>
+    <a:lumMod val="70000"/>
+  </cs:variation>
+  <cs:variation>
+    <a:lumMod val="50000"/>
+    <a:lumOff val="50000"/>
+  </cs:variation>
+</cs:colorStyle>
+</file>
+
+<file path=ppt/charts/colors3.xml><?xml version="1.0" encoding="utf-8"?>
+<cs:colorStyle xmlns:cs="http://schemas.microsoft.com/office/drawing/2012/chartStyle" xmlns:a="http://schemas.openxmlformats.org/drawingml/2006/main" meth="cycle" id="10">
+  <a:schemeClr val="accent1"/>
+  <a:schemeClr val="accent2"/>
+  <a:schemeClr val="accent3"/>
+  <a:schemeClr val="accent4"/>
+  <a:schemeClr val="accent5"/>
+  <a:schemeClr val="accent6"/>
+  <cs:variation/>
+  <cs:variation>
+    <a:lumMod val="60000"/>
+  </cs:variation>
+  <cs:variation>
+    <a:lumMod val="80000"/>
+    <a:lumOff val="20000"/>
+  </cs:variation>
+  <cs:variation>
+    <a:lumMod val="80000"/>
+  </cs:variation>
+  <cs:variation>
+    <a:lumMod val="60000"/>
+    <a:lumOff val="40000"/>
+  </cs:variation>
+  <cs:variation>
+    <a:lumMod val="50000"/>
+  </cs:variation>
+  <cs:variation>
+    <a:lumMod val="70000"/>
+    <a:lumOff val="30000"/>
+  </cs:variation>
+  <cs:variation>
+    <a:lumMod val="70000"/>
+  </cs:variation>
+  <cs:variation>
+    <a:lumMod val="50000"/>
+    <a:lumOff val="50000"/>
+  </cs:variation>
+</cs:colorStyle>
+</file>
+
+<file path=ppt/charts/colors4.xml><?xml version="1.0" encoding="utf-8"?>
 <cs:colorStyle xmlns:cs="http://schemas.microsoft.com/office/drawing/2012/chartStyle" xmlns:a="http://schemas.openxmlformats.org/drawingml/2006/main" meth="cycle" id="10">
   <a:schemeClr val="accent1"/>
   <a:schemeClr val="accent2"/>
@@ -1217,6 +3650,1515 @@
           </a:schemeClr>
         </a:solidFill>
         <a:round/>
+      </a:ln>
+    </cs:spPr>
+  </cs:upBar>
+  <cs:valueAxis>
+    <cs:lnRef idx="0"/>
+    <cs:fillRef idx="0"/>
+    <cs:effectRef idx="0"/>
+    <cs:fontRef idx="minor">
+      <a:schemeClr val="tx1">
+        <a:lumMod val="65000"/>
+        <a:lumOff val="35000"/>
+      </a:schemeClr>
+    </cs:fontRef>
+    <cs:defRPr sz="1197" kern="1200"/>
+  </cs:valueAxis>
+  <cs:wall>
+    <cs:lnRef idx="0"/>
+    <cs:fillRef idx="0"/>
+    <cs:effectRef idx="0"/>
+    <cs:fontRef idx="minor">
+      <a:schemeClr val="tx1"/>
+    </cs:fontRef>
+    <cs:spPr>
+      <a:noFill/>
+      <a:ln>
+        <a:noFill/>
+      </a:ln>
+    </cs:spPr>
+  </cs:wall>
+</cs:chartStyle>
+</file>
+
+<file path=ppt/charts/style2.xml><?xml version="1.0" encoding="utf-8"?>
+<cs:chartStyle xmlns:cs="http://schemas.microsoft.com/office/drawing/2012/chartStyle" xmlns:a="http://schemas.openxmlformats.org/drawingml/2006/main" id="201">
+  <cs:axisTitle>
+    <cs:lnRef idx="0"/>
+    <cs:fillRef idx="0"/>
+    <cs:effectRef idx="0"/>
+    <cs:fontRef idx="minor">
+      <a:schemeClr val="tx1">
+        <a:lumMod val="65000"/>
+        <a:lumOff val="35000"/>
+      </a:schemeClr>
+    </cs:fontRef>
+    <cs:defRPr sz="1330" kern="1200"/>
+  </cs:axisTitle>
+  <cs:categoryAxis>
+    <cs:lnRef idx="0"/>
+    <cs:fillRef idx="0"/>
+    <cs:effectRef idx="0"/>
+    <cs:fontRef idx="minor">
+      <a:schemeClr val="tx1">
+        <a:lumMod val="65000"/>
+        <a:lumOff val="35000"/>
+      </a:schemeClr>
+    </cs:fontRef>
+    <cs:spPr>
+      <a:ln w="9525" cap="flat" cmpd="sng" algn="ctr">
+        <a:solidFill>
+          <a:schemeClr val="tx1">
+            <a:lumMod val="15000"/>
+            <a:lumOff val="85000"/>
+          </a:schemeClr>
+        </a:solidFill>
+        <a:round/>
+      </a:ln>
+    </cs:spPr>
+    <cs:defRPr sz="1197" kern="1200"/>
+  </cs:categoryAxis>
+  <cs:chartArea mods="allowNoFillOverride allowNoLineOverride">
+    <cs:lnRef idx="0"/>
+    <cs:fillRef idx="0"/>
+    <cs:effectRef idx="0"/>
+    <cs:fontRef idx="minor">
+      <a:schemeClr val="tx1"/>
+    </cs:fontRef>
+    <cs:spPr>
+      <a:solidFill>
+        <a:schemeClr val="bg1"/>
+      </a:solidFill>
+      <a:ln w="9525" cap="flat" cmpd="sng" algn="ctr">
+        <a:solidFill>
+          <a:schemeClr val="tx1">
+            <a:lumMod val="15000"/>
+            <a:lumOff val="85000"/>
+          </a:schemeClr>
+        </a:solidFill>
+        <a:round/>
+      </a:ln>
+    </cs:spPr>
+    <cs:defRPr sz="1330" kern="1200"/>
+  </cs:chartArea>
+  <cs:dataLabel>
+    <cs:lnRef idx="0"/>
+    <cs:fillRef idx="0"/>
+    <cs:effectRef idx="0"/>
+    <cs:fontRef idx="minor">
+      <a:schemeClr val="tx1">
+        <a:lumMod val="75000"/>
+        <a:lumOff val="25000"/>
+      </a:schemeClr>
+    </cs:fontRef>
+    <cs:defRPr sz="1197" kern="1200"/>
+  </cs:dataLabel>
+  <cs:dataLabelCallout>
+    <cs:lnRef idx="0"/>
+    <cs:fillRef idx="0"/>
+    <cs:effectRef idx="0"/>
+    <cs:fontRef idx="minor">
+      <a:schemeClr val="dk1">
+        <a:lumMod val="65000"/>
+        <a:lumOff val="35000"/>
+      </a:schemeClr>
+    </cs:fontRef>
+    <cs:spPr>
+      <a:solidFill>
+        <a:schemeClr val="lt1"/>
+      </a:solidFill>
+      <a:ln>
+        <a:solidFill>
+          <a:schemeClr val="dk1">
+            <a:lumMod val="25000"/>
+            <a:lumOff val="75000"/>
+          </a:schemeClr>
+        </a:solidFill>
+      </a:ln>
+    </cs:spPr>
+    <cs:defRPr sz="1197" kern="1200"/>
+    <cs:bodyPr rot="0" spcFirstLastPara="1" vertOverflow="clip" horzOverflow="clip" vert="horz" wrap="square" lIns="36576" tIns="18288" rIns="36576" bIns="18288" anchor="ctr" anchorCtr="1">
+      <a:spAutoFit/>
+    </cs:bodyPr>
+  </cs:dataLabelCallout>
+  <cs:dataPoint>
+    <cs:lnRef idx="0"/>
+    <cs:fillRef idx="1">
+      <cs:styleClr val="auto"/>
+    </cs:fillRef>
+    <cs:effectRef idx="0"/>
+    <cs:fontRef idx="minor">
+      <a:schemeClr val="tx1"/>
+    </cs:fontRef>
+  </cs:dataPoint>
+  <cs:dataPoint3D>
+    <cs:lnRef idx="0"/>
+    <cs:fillRef idx="1">
+      <cs:styleClr val="auto"/>
+    </cs:fillRef>
+    <cs:effectRef idx="0"/>
+    <cs:fontRef idx="minor">
+      <a:schemeClr val="tx1"/>
+    </cs:fontRef>
+  </cs:dataPoint3D>
+  <cs:dataPointLine>
+    <cs:lnRef idx="0">
+      <cs:styleClr val="auto"/>
+    </cs:lnRef>
+    <cs:fillRef idx="1"/>
+    <cs:effectRef idx="0"/>
+    <cs:fontRef idx="minor">
+      <a:schemeClr val="tx1"/>
+    </cs:fontRef>
+    <cs:spPr>
+      <a:ln w="28575" cap="rnd">
+        <a:solidFill>
+          <a:schemeClr val="phClr"/>
+        </a:solidFill>
+        <a:round/>
+      </a:ln>
+    </cs:spPr>
+  </cs:dataPointLine>
+  <cs:dataPointMarker>
+    <cs:lnRef idx="0">
+      <cs:styleClr val="auto"/>
+    </cs:lnRef>
+    <cs:fillRef idx="1">
+      <cs:styleClr val="auto"/>
+    </cs:fillRef>
+    <cs:effectRef idx="0"/>
+    <cs:fontRef idx="minor">
+      <a:schemeClr val="tx1"/>
+    </cs:fontRef>
+    <cs:spPr>
+      <a:ln w="9525">
+        <a:solidFill>
+          <a:schemeClr val="phClr"/>
+        </a:solidFill>
+      </a:ln>
+    </cs:spPr>
+  </cs:dataPointMarker>
+  <cs:dataPointMarkerLayout symbol="circle" size="5"/>
+  <cs:dataPointWireframe>
+    <cs:lnRef idx="0">
+      <cs:styleClr val="auto"/>
+    </cs:lnRef>
+    <cs:fillRef idx="1"/>
+    <cs:effectRef idx="0"/>
+    <cs:fontRef idx="minor">
+      <a:schemeClr val="tx1"/>
+    </cs:fontRef>
+    <cs:spPr>
+      <a:ln w="9525" cap="rnd">
+        <a:solidFill>
+          <a:schemeClr val="phClr"/>
+        </a:solidFill>
+        <a:round/>
+      </a:ln>
+    </cs:spPr>
+  </cs:dataPointWireframe>
+  <cs:dataTable>
+    <cs:lnRef idx="0"/>
+    <cs:fillRef idx="0"/>
+    <cs:effectRef idx="0"/>
+    <cs:fontRef idx="minor">
+      <a:schemeClr val="tx1">
+        <a:lumMod val="65000"/>
+        <a:lumOff val="35000"/>
+      </a:schemeClr>
+    </cs:fontRef>
+    <cs:spPr>
+      <a:noFill/>
+      <a:ln w="9525" cap="flat" cmpd="sng" algn="ctr">
+        <a:solidFill>
+          <a:schemeClr val="tx1">
+            <a:lumMod val="15000"/>
+            <a:lumOff val="85000"/>
+          </a:schemeClr>
+        </a:solidFill>
+        <a:round/>
+      </a:ln>
+    </cs:spPr>
+    <cs:defRPr sz="1197" kern="1200"/>
+  </cs:dataTable>
+  <cs:downBar>
+    <cs:lnRef idx="0"/>
+    <cs:fillRef idx="0"/>
+    <cs:effectRef idx="0"/>
+    <cs:fontRef idx="minor">
+      <a:schemeClr val="dk1"/>
+    </cs:fontRef>
+    <cs:spPr>
+      <a:solidFill>
+        <a:schemeClr val="dk1">
+          <a:lumMod val="65000"/>
+          <a:lumOff val="35000"/>
+        </a:schemeClr>
+      </a:solidFill>
+      <a:ln w="9525">
+        <a:solidFill>
+          <a:schemeClr val="tx1">
+            <a:lumMod val="65000"/>
+            <a:lumOff val="35000"/>
+          </a:schemeClr>
+        </a:solidFill>
+      </a:ln>
+    </cs:spPr>
+  </cs:downBar>
+  <cs:dropLine>
+    <cs:lnRef idx="0"/>
+    <cs:fillRef idx="0"/>
+    <cs:effectRef idx="0"/>
+    <cs:fontRef idx="minor">
+      <a:schemeClr val="tx1"/>
+    </cs:fontRef>
+    <cs:spPr>
+      <a:ln w="9525" cap="flat" cmpd="sng" algn="ctr">
+        <a:solidFill>
+          <a:schemeClr val="tx1">
+            <a:lumMod val="35000"/>
+            <a:lumOff val="65000"/>
+          </a:schemeClr>
+        </a:solidFill>
+        <a:round/>
+      </a:ln>
+    </cs:spPr>
+  </cs:dropLine>
+  <cs:errorBar>
+    <cs:lnRef idx="0"/>
+    <cs:fillRef idx="0"/>
+    <cs:effectRef idx="0"/>
+    <cs:fontRef idx="minor">
+      <a:schemeClr val="tx1"/>
+    </cs:fontRef>
+    <cs:spPr>
+      <a:ln w="9525" cap="flat" cmpd="sng" algn="ctr">
+        <a:solidFill>
+          <a:schemeClr val="tx1">
+            <a:lumMod val="65000"/>
+            <a:lumOff val="35000"/>
+          </a:schemeClr>
+        </a:solidFill>
+        <a:round/>
+      </a:ln>
+    </cs:spPr>
+  </cs:errorBar>
+  <cs:floor>
+    <cs:lnRef idx="0"/>
+    <cs:fillRef idx="0"/>
+    <cs:effectRef idx="0"/>
+    <cs:fontRef idx="minor">
+      <a:schemeClr val="tx1"/>
+    </cs:fontRef>
+    <cs:spPr>
+      <a:noFill/>
+      <a:ln>
+        <a:noFill/>
+      </a:ln>
+    </cs:spPr>
+  </cs:floor>
+  <cs:gridlineMajor>
+    <cs:lnRef idx="0"/>
+    <cs:fillRef idx="0"/>
+    <cs:effectRef idx="0"/>
+    <cs:fontRef idx="minor">
+      <a:schemeClr val="tx1"/>
+    </cs:fontRef>
+    <cs:spPr>
+      <a:ln w="9525" cap="flat" cmpd="sng" algn="ctr">
+        <a:solidFill>
+          <a:schemeClr val="tx1">
+            <a:lumMod val="15000"/>
+            <a:lumOff val="85000"/>
+          </a:schemeClr>
+        </a:solidFill>
+        <a:round/>
+      </a:ln>
+    </cs:spPr>
+  </cs:gridlineMajor>
+  <cs:gridlineMinor>
+    <cs:lnRef idx="0"/>
+    <cs:fillRef idx="0"/>
+    <cs:effectRef idx="0"/>
+    <cs:fontRef idx="minor">
+      <a:schemeClr val="tx1"/>
+    </cs:fontRef>
+    <cs:spPr>
+      <a:ln w="9525" cap="flat" cmpd="sng" algn="ctr">
+        <a:solidFill>
+          <a:schemeClr val="tx1">
+            <a:lumMod val="5000"/>
+            <a:lumOff val="95000"/>
+          </a:schemeClr>
+        </a:solidFill>
+        <a:round/>
+      </a:ln>
+    </cs:spPr>
+  </cs:gridlineMinor>
+  <cs:hiLoLine>
+    <cs:lnRef idx="0"/>
+    <cs:fillRef idx="0"/>
+    <cs:effectRef idx="0"/>
+    <cs:fontRef idx="minor">
+      <a:schemeClr val="tx1"/>
+    </cs:fontRef>
+    <cs:spPr>
+      <a:ln w="9525" cap="flat" cmpd="sng" algn="ctr">
+        <a:solidFill>
+          <a:schemeClr val="tx1">
+            <a:lumMod val="75000"/>
+            <a:lumOff val="25000"/>
+          </a:schemeClr>
+        </a:solidFill>
+        <a:round/>
+      </a:ln>
+    </cs:spPr>
+  </cs:hiLoLine>
+  <cs:leaderLine>
+    <cs:lnRef idx="0"/>
+    <cs:fillRef idx="0"/>
+    <cs:effectRef idx="0"/>
+    <cs:fontRef idx="minor">
+      <a:schemeClr val="tx1"/>
+    </cs:fontRef>
+    <cs:spPr>
+      <a:ln w="9525" cap="flat" cmpd="sng" algn="ctr">
+        <a:solidFill>
+          <a:schemeClr val="tx1">
+            <a:lumMod val="35000"/>
+            <a:lumOff val="65000"/>
+          </a:schemeClr>
+        </a:solidFill>
+        <a:round/>
+      </a:ln>
+    </cs:spPr>
+  </cs:leaderLine>
+  <cs:legend>
+    <cs:lnRef idx="0"/>
+    <cs:fillRef idx="0"/>
+    <cs:effectRef idx="0"/>
+    <cs:fontRef idx="minor">
+      <a:schemeClr val="tx1">
+        <a:lumMod val="65000"/>
+        <a:lumOff val="35000"/>
+      </a:schemeClr>
+    </cs:fontRef>
+    <cs:defRPr sz="1197" kern="1200"/>
+  </cs:legend>
+  <cs:plotArea mods="allowNoFillOverride allowNoLineOverride">
+    <cs:lnRef idx="0"/>
+    <cs:fillRef idx="0"/>
+    <cs:effectRef idx="0"/>
+    <cs:fontRef idx="minor">
+      <a:schemeClr val="tx1"/>
+    </cs:fontRef>
+  </cs:plotArea>
+  <cs:plotArea3D mods="allowNoFillOverride allowNoLineOverride">
+    <cs:lnRef idx="0"/>
+    <cs:fillRef idx="0"/>
+    <cs:effectRef idx="0"/>
+    <cs:fontRef idx="minor">
+      <a:schemeClr val="tx1"/>
+    </cs:fontRef>
+  </cs:plotArea3D>
+  <cs:seriesAxis>
+    <cs:lnRef idx="0"/>
+    <cs:fillRef idx="0"/>
+    <cs:effectRef idx="0"/>
+    <cs:fontRef idx="minor">
+      <a:schemeClr val="tx1">
+        <a:lumMod val="65000"/>
+        <a:lumOff val="35000"/>
+      </a:schemeClr>
+    </cs:fontRef>
+    <cs:defRPr sz="1197" kern="1200"/>
+  </cs:seriesAxis>
+  <cs:seriesLine>
+    <cs:lnRef idx="0"/>
+    <cs:fillRef idx="0"/>
+    <cs:effectRef idx="0"/>
+    <cs:fontRef idx="minor">
+      <a:schemeClr val="tx1"/>
+    </cs:fontRef>
+    <cs:spPr>
+      <a:ln w="9525" cap="flat" cmpd="sng" algn="ctr">
+        <a:solidFill>
+          <a:schemeClr val="tx1">
+            <a:lumMod val="35000"/>
+            <a:lumOff val="65000"/>
+          </a:schemeClr>
+        </a:solidFill>
+        <a:round/>
+      </a:ln>
+    </cs:spPr>
+  </cs:seriesLine>
+  <cs:title>
+    <cs:lnRef idx="0"/>
+    <cs:fillRef idx="0"/>
+    <cs:effectRef idx="0"/>
+    <cs:fontRef idx="minor">
+      <a:schemeClr val="tx1">
+        <a:lumMod val="65000"/>
+        <a:lumOff val="35000"/>
+      </a:schemeClr>
+    </cs:fontRef>
+    <cs:defRPr sz="1862" b="0" kern="1200" spc="0" baseline="0"/>
+  </cs:title>
+  <cs:trendline>
+    <cs:lnRef idx="0">
+      <cs:styleClr val="auto"/>
+    </cs:lnRef>
+    <cs:fillRef idx="0"/>
+    <cs:effectRef idx="0"/>
+    <cs:fontRef idx="minor">
+      <a:schemeClr val="tx1"/>
+    </cs:fontRef>
+    <cs:spPr>
+      <a:ln w="19050" cap="rnd">
+        <a:solidFill>
+          <a:schemeClr val="phClr"/>
+        </a:solidFill>
+        <a:prstDash val="sysDot"/>
+      </a:ln>
+    </cs:spPr>
+  </cs:trendline>
+  <cs:trendlineLabel>
+    <cs:lnRef idx="0"/>
+    <cs:fillRef idx="0"/>
+    <cs:effectRef idx="0"/>
+    <cs:fontRef idx="minor">
+      <a:schemeClr val="tx1">
+        <a:lumMod val="65000"/>
+        <a:lumOff val="35000"/>
+      </a:schemeClr>
+    </cs:fontRef>
+    <cs:defRPr sz="1197" kern="1200"/>
+  </cs:trendlineLabel>
+  <cs:upBar>
+    <cs:lnRef idx="0"/>
+    <cs:fillRef idx="0"/>
+    <cs:effectRef idx="0"/>
+    <cs:fontRef idx="minor">
+      <a:schemeClr val="dk1"/>
+    </cs:fontRef>
+    <cs:spPr>
+      <a:solidFill>
+        <a:schemeClr val="lt1"/>
+      </a:solidFill>
+      <a:ln w="9525">
+        <a:solidFill>
+          <a:schemeClr val="tx1">
+            <a:lumMod val="15000"/>
+            <a:lumOff val="85000"/>
+          </a:schemeClr>
+        </a:solidFill>
+      </a:ln>
+    </cs:spPr>
+  </cs:upBar>
+  <cs:valueAxis>
+    <cs:lnRef idx="0"/>
+    <cs:fillRef idx="0"/>
+    <cs:effectRef idx="0"/>
+    <cs:fontRef idx="minor">
+      <a:schemeClr val="tx1">
+        <a:lumMod val="65000"/>
+        <a:lumOff val="35000"/>
+      </a:schemeClr>
+    </cs:fontRef>
+    <cs:defRPr sz="1197" kern="1200"/>
+  </cs:valueAxis>
+  <cs:wall>
+    <cs:lnRef idx="0"/>
+    <cs:fillRef idx="0"/>
+    <cs:effectRef idx="0"/>
+    <cs:fontRef idx="minor">
+      <a:schemeClr val="tx1"/>
+    </cs:fontRef>
+    <cs:spPr>
+      <a:noFill/>
+      <a:ln>
+        <a:noFill/>
+      </a:ln>
+    </cs:spPr>
+  </cs:wall>
+</cs:chartStyle>
+</file>
+
+<file path=ppt/charts/style3.xml><?xml version="1.0" encoding="utf-8"?>
+<cs:chartStyle xmlns:cs="http://schemas.microsoft.com/office/drawing/2012/chartStyle" xmlns:a="http://schemas.openxmlformats.org/drawingml/2006/main" id="201">
+  <cs:axisTitle>
+    <cs:lnRef idx="0"/>
+    <cs:fillRef idx="0"/>
+    <cs:effectRef idx="0"/>
+    <cs:fontRef idx="minor">
+      <a:schemeClr val="tx1">
+        <a:lumMod val="65000"/>
+        <a:lumOff val="35000"/>
+      </a:schemeClr>
+    </cs:fontRef>
+    <cs:defRPr sz="1330" kern="1200"/>
+  </cs:axisTitle>
+  <cs:categoryAxis>
+    <cs:lnRef idx="0"/>
+    <cs:fillRef idx="0"/>
+    <cs:effectRef idx="0"/>
+    <cs:fontRef idx="minor">
+      <a:schemeClr val="tx1">
+        <a:lumMod val="65000"/>
+        <a:lumOff val="35000"/>
+      </a:schemeClr>
+    </cs:fontRef>
+    <cs:spPr>
+      <a:ln w="9525" cap="flat" cmpd="sng" algn="ctr">
+        <a:solidFill>
+          <a:schemeClr val="tx1">
+            <a:lumMod val="15000"/>
+            <a:lumOff val="85000"/>
+          </a:schemeClr>
+        </a:solidFill>
+        <a:round/>
+      </a:ln>
+    </cs:spPr>
+    <cs:defRPr sz="1197" kern="1200"/>
+  </cs:categoryAxis>
+  <cs:chartArea mods="allowNoFillOverride allowNoLineOverride">
+    <cs:lnRef idx="0"/>
+    <cs:fillRef idx="0"/>
+    <cs:effectRef idx="0"/>
+    <cs:fontRef idx="minor">
+      <a:schemeClr val="tx1"/>
+    </cs:fontRef>
+    <cs:spPr>
+      <a:solidFill>
+        <a:schemeClr val="bg1"/>
+      </a:solidFill>
+      <a:ln w="9525" cap="flat" cmpd="sng" algn="ctr">
+        <a:solidFill>
+          <a:schemeClr val="tx1">
+            <a:lumMod val="15000"/>
+            <a:lumOff val="85000"/>
+          </a:schemeClr>
+        </a:solidFill>
+        <a:round/>
+      </a:ln>
+    </cs:spPr>
+    <cs:defRPr sz="1330" kern="1200"/>
+  </cs:chartArea>
+  <cs:dataLabel>
+    <cs:lnRef idx="0"/>
+    <cs:fillRef idx="0"/>
+    <cs:effectRef idx="0"/>
+    <cs:fontRef idx="minor">
+      <a:schemeClr val="tx1">
+        <a:lumMod val="75000"/>
+        <a:lumOff val="25000"/>
+      </a:schemeClr>
+    </cs:fontRef>
+    <cs:defRPr sz="1197" kern="1200"/>
+  </cs:dataLabel>
+  <cs:dataLabelCallout>
+    <cs:lnRef idx="0"/>
+    <cs:fillRef idx="0"/>
+    <cs:effectRef idx="0"/>
+    <cs:fontRef idx="minor">
+      <a:schemeClr val="dk1">
+        <a:lumMod val="65000"/>
+        <a:lumOff val="35000"/>
+      </a:schemeClr>
+    </cs:fontRef>
+    <cs:spPr>
+      <a:solidFill>
+        <a:schemeClr val="lt1"/>
+      </a:solidFill>
+      <a:ln>
+        <a:solidFill>
+          <a:schemeClr val="dk1">
+            <a:lumMod val="25000"/>
+            <a:lumOff val="75000"/>
+          </a:schemeClr>
+        </a:solidFill>
+      </a:ln>
+    </cs:spPr>
+    <cs:defRPr sz="1197" kern="1200"/>
+    <cs:bodyPr rot="0" spcFirstLastPara="1" vertOverflow="clip" horzOverflow="clip" vert="horz" wrap="square" lIns="36576" tIns="18288" rIns="36576" bIns="18288" anchor="ctr" anchorCtr="1">
+      <a:spAutoFit/>
+    </cs:bodyPr>
+  </cs:dataLabelCallout>
+  <cs:dataPoint>
+    <cs:lnRef idx="0"/>
+    <cs:fillRef idx="1">
+      <cs:styleClr val="auto"/>
+    </cs:fillRef>
+    <cs:effectRef idx="0"/>
+    <cs:fontRef idx="minor">
+      <a:schemeClr val="tx1"/>
+    </cs:fontRef>
+  </cs:dataPoint>
+  <cs:dataPoint3D>
+    <cs:lnRef idx="0"/>
+    <cs:fillRef idx="1">
+      <cs:styleClr val="auto"/>
+    </cs:fillRef>
+    <cs:effectRef idx="0"/>
+    <cs:fontRef idx="minor">
+      <a:schemeClr val="tx1"/>
+    </cs:fontRef>
+  </cs:dataPoint3D>
+  <cs:dataPointLine>
+    <cs:lnRef idx="0">
+      <cs:styleClr val="auto"/>
+    </cs:lnRef>
+    <cs:fillRef idx="1"/>
+    <cs:effectRef idx="0"/>
+    <cs:fontRef idx="minor">
+      <a:schemeClr val="tx1"/>
+    </cs:fontRef>
+    <cs:spPr>
+      <a:ln w="28575" cap="rnd">
+        <a:solidFill>
+          <a:schemeClr val="phClr"/>
+        </a:solidFill>
+        <a:round/>
+      </a:ln>
+    </cs:spPr>
+  </cs:dataPointLine>
+  <cs:dataPointMarker>
+    <cs:lnRef idx="0">
+      <cs:styleClr val="auto"/>
+    </cs:lnRef>
+    <cs:fillRef idx="1">
+      <cs:styleClr val="auto"/>
+    </cs:fillRef>
+    <cs:effectRef idx="0"/>
+    <cs:fontRef idx="minor">
+      <a:schemeClr val="tx1"/>
+    </cs:fontRef>
+    <cs:spPr>
+      <a:ln w="9525">
+        <a:solidFill>
+          <a:schemeClr val="phClr"/>
+        </a:solidFill>
+      </a:ln>
+    </cs:spPr>
+  </cs:dataPointMarker>
+  <cs:dataPointMarkerLayout symbol="circle" size="5"/>
+  <cs:dataPointWireframe>
+    <cs:lnRef idx="0">
+      <cs:styleClr val="auto"/>
+    </cs:lnRef>
+    <cs:fillRef idx="1"/>
+    <cs:effectRef idx="0"/>
+    <cs:fontRef idx="minor">
+      <a:schemeClr val="tx1"/>
+    </cs:fontRef>
+    <cs:spPr>
+      <a:ln w="9525" cap="rnd">
+        <a:solidFill>
+          <a:schemeClr val="phClr"/>
+        </a:solidFill>
+        <a:round/>
+      </a:ln>
+    </cs:spPr>
+  </cs:dataPointWireframe>
+  <cs:dataTable>
+    <cs:lnRef idx="0"/>
+    <cs:fillRef idx="0"/>
+    <cs:effectRef idx="0"/>
+    <cs:fontRef idx="minor">
+      <a:schemeClr val="tx1">
+        <a:lumMod val="65000"/>
+        <a:lumOff val="35000"/>
+      </a:schemeClr>
+    </cs:fontRef>
+    <cs:spPr>
+      <a:noFill/>
+      <a:ln w="9525" cap="flat" cmpd="sng" algn="ctr">
+        <a:solidFill>
+          <a:schemeClr val="tx1">
+            <a:lumMod val="15000"/>
+            <a:lumOff val="85000"/>
+          </a:schemeClr>
+        </a:solidFill>
+        <a:round/>
+      </a:ln>
+    </cs:spPr>
+    <cs:defRPr sz="1197" kern="1200"/>
+  </cs:dataTable>
+  <cs:downBar>
+    <cs:lnRef idx="0"/>
+    <cs:fillRef idx="0"/>
+    <cs:effectRef idx="0"/>
+    <cs:fontRef idx="minor">
+      <a:schemeClr val="dk1"/>
+    </cs:fontRef>
+    <cs:spPr>
+      <a:solidFill>
+        <a:schemeClr val="dk1">
+          <a:lumMod val="65000"/>
+          <a:lumOff val="35000"/>
+        </a:schemeClr>
+      </a:solidFill>
+      <a:ln w="9525">
+        <a:solidFill>
+          <a:schemeClr val="tx1">
+            <a:lumMod val="65000"/>
+            <a:lumOff val="35000"/>
+          </a:schemeClr>
+        </a:solidFill>
+      </a:ln>
+    </cs:spPr>
+  </cs:downBar>
+  <cs:dropLine>
+    <cs:lnRef idx="0"/>
+    <cs:fillRef idx="0"/>
+    <cs:effectRef idx="0"/>
+    <cs:fontRef idx="minor">
+      <a:schemeClr val="tx1"/>
+    </cs:fontRef>
+    <cs:spPr>
+      <a:ln w="9525" cap="flat" cmpd="sng" algn="ctr">
+        <a:solidFill>
+          <a:schemeClr val="tx1">
+            <a:lumMod val="35000"/>
+            <a:lumOff val="65000"/>
+          </a:schemeClr>
+        </a:solidFill>
+        <a:round/>
+      </a:ln>
+    </cs:spPr>
+  </cs:dropLine>
+  <cs:errorBar>
+    <cs:lnRef idx="0"/>
+    <cs:fillRef idx="0"/>
+    <cs:effectRef idx="0"/>
+    <cs:fontRef idx="minor">
+      <a:schemeClr val="tx1"/>
+    </cs:fontRef>
+    <cs:spPr>
+      <a:ln w="9525" cap="flat" cmpd="sng" algn="ctr">
+        <a:solidFill>
+          <a:schemeClr val="tx1">
+            <a:lumMod val="65000"/>
+            <a:lumOff val="35000"/>
+          </a:schemeClr>
+        </a:solidFill>
+        <a:round/>
+      </a:ln>
+    </cs:spPr>
+  </cs:errorBar>
+  <cs:floor>
+    <cs:lnRef idx="0"/>
+    <cs:fillRef idx="0"/>
+    <cs:effectRef idx="0"/>
+    <cs:fontRef idx="minor">
+      <a:schemeClr val="tx1"/>
+    </cs:fontRef>
+    <cs:spPr>
+      <a:noFill/>
+      <a:ln>
+        <a:noFill/>
+      </a:ln>
+    </cs:spPr>
+  </cs:floor>
+  <cs:gridlineMajor>
+    <cs:lnRef idx="0"/>
+    <cs:fillRef idx="0"/>
+    <cs:effectRef idx="0"/>
+    <cs:fontRef idx="minor">
+      <a:schemeClr val="tx1"/>
+    </cs:fontRef>
+    <cs:spPr>
+      <a:ln w="9525" cap="flat" cmpd="sng" algn="ctr">
+        <a:solidFill>
+          <a:schemeClr val="tx1">
+            <a:lumMod val="15000"/>
+            <a:lumOff val="85000"/>
+          </a:schemeClr>
+        </a:solidFill>
+        <a:round/>
+      </a:ln>
+    </cs:spPr>
+  </cs:gridlineMajor>
+  <cs:gridlineMinor>
+    <cs:lnRef idx="0"/>
+    <cs:fillRef idx="0"/>
+    <cs:effectRef idx="0"/>
+    <cs:fontRef idx="minor">
+      <a:schemeClr val="tx1"/>
+    </cs:fontRef>
+    <cs:spPr>
+      <a:ln w="9525" cap="flat" cmpd="sng" algn="ctr">
+        <a:solidFill>
+          <a:schemeClr val="tx1">
+            <a:lumMod val="5000"/>
+            <a:lumOff val="95000"/>
+          </a:schemeClr>
+        </a:solidFill>
+        <a:round/>
+      </a:ln>
+    </cs:spPr>
+  </cs:gridlineMinor>
+  <cs:hiLoLine>
+    <cs:lnRef idx="0"/>
+    <cs:fillRef idx="0"/>
+    <cs:effectRef idx="0"/>
+    <cs:fontRef idx="minor">
+      <a:schemeClr val="tx1"/>
+    </cs:fontRef>
+    <cs:spPr>
+      <a:ln w="9525" cap="flat" cmpd="sng" algn="ctr">
+        <a:solidFill>
+          <a:schemeClr val="tx1">
+            <a:lumMod val="75000"/>
+            <a:lumOff val="25000"/>
+          </a:schemeClr>
+        </a:solidFill>
+        <a:round/>
+      </a:ln>
+    </cs:spPr>
+  </cs:hiLoLine>
+  <cs:leaderLine>
+    <cs:lnRef idx="0"/>
+    <cs:fillRef idx="0"/>
+    <cs:effectRef idx="0"/>
+    <cs:fontRef idx="minor">
+      <a:schemeClr val="tx1"/>
+    </cs:fontRef>
+    <cs:spPr>
+      <a:ln w="9525" cap="flat" cmpd="sng" algn="ctr">
+        <a:solidFill>
+          <a:schemeClr val="tx1">
+            <a:lumMod val="35000"/>
+            <a:lumOff val="65000"/>
+          </a:schemeClr>
+        </a:solidFill>
+        <a:round/>
+      </a:ln>
+    </cs:spPr>
+  </cs:leaderLine>
+  <cs:legend>
+    <cs:lnRef idx="0"/>
+    <cs:fillRef idx="0"/>
+    <cs:effectRef idx="0"/>
+    <cs:fontRef idx="minor">
+      <a:schemeClr val="tx1">
+        <a:lumMod val="65000"/>
+        <a:lumOff val="35000"/>
+      </a:schemeClr>
+    </cs:fontRef>
+    <cs:defRPr sz="1197" kern="1200"/>
+  </cs:legend>
+  <cs:plotArea mods="allowNoFillOverride allowNoLineOverride">
+    <cs:lnRef idx="0"/>
+    <cs:fillRef idx="0"/>
+    <cs:effectRef idx="0"/>
+    <cs:fontRef idx="minor">
+      <a:schemeClr val="tx1"/>
+    </cs:fontRef>
+  </cs:plotArea>
+  <cs:plotArea3D mods="allowNoFillOverride allowNoLineOverride">
+    <cs:lnRef idx="0"/>
+    <cs:fillRef idx="0"/>
+    <cs:effectRef idx="0"/>
+    <cs:fontRef idx="minor">
+      <a:schemeClr val="tx1"/>
+    </cs:fontRef>
+  </cs:plotArea3D>
+  <cs:seriesAxis>
+    <cs:lnRef idx="0"/>
+    <cs:fillRef idx="0"/>
+    <cs:effectRef idx="0"/>
+    <cs:fontRef idx="minor">
+      <a:schemeClr val="tx1">
+        <a:lumMod val="65000"/>
+        <a:lumOff val="35000"/>
+      </a:schemeClr>
+    </cs:fontRef>
+    <cs:defRPr sz="1197" kern="1200"/>
+  </cs:seriesAxis>
+  <cs:seriesLine>
+    <cs:lnRef idx="0"/>
+    <cs:fillRef idx="0"/>
+    <cs:effectRef idx="0"/>
+    <cs:fontRef idx="minor">
+      <a:schemeClr val="tx1"/>
+    </cs:fontRef>
+    <cs:spPr>
+      <a:ln w="9525" cap="flat" cmpd="sng" algn="ctr">
+        <a:solidFill>
+          <a:schemeClr val="tx1">
+            <a:lumMod val="35000"/>
+            <a:lumOff val="65000"/>
+          </a:schemeClr>
+        </a:solidFill>
+        <a:round/>
+      </a:ln>
+    </cs:spPr>
+  </cs:seriesLine>
+  <cs:title>
+    <cs:lnRef idx="0"/>
+    <cs:fillRef idx="0"/>
+    <cs:effectRef idx="0"/>
+    <cs:fontRef idx="minor">
+      <a:schemeClr val="tx1">
+        <a:lumMod val="65000"/>
+        <a:lumOff val="35000"/>
+      </a:schemeClr>
+    </cs:fontRef>
+    <cs:defRPr sz="1862" b="0" kern="1200" spc="0" baseline="0"/>
+  </cs:title>
+  <cs:trendline>
+    <cs:lnRef idx="0">
+      <cs:styleClr val="auto"/>
+    </cs:lnRef>
+    <cs:fillRef idx="0"/>
+    <cs:effectRef idx="0"/>
+    <cs:fontRef idx="minor">
+      <a:schemeClr val="tx1"/>
+    </cs:fontRef>
+    <cs:spPr>
+      <a:ln w="19050" cap="rnd">
+        <a:solidFill>
+          <a:schemeClr val="phClr"/>
+        </a:solidFill>
+        <a:prstDash val="sysDot"/>
+      </a:ln>
+    </cs:spPr>
+  </cs:trendline>
+  <cs:trendlineLabel>
+    <cs:lnRef idx="0"/>
+    <cs:fillRef idx="0"/>
+    <cs:effectRef idx="0"/>
+    <cs:fontRef idx="minor">
+      <a:schemeClr val="tx1">
+        <a:lumMod val="65000"/>
+        <a:lumOff val="35000"/>
+      </a:schemeClr>
+    </cs:fontRef>
+    <cs:defRPr sz="1197" kern="1200"/>
+  </cs:trendlineLabel>
+  <cs:upBar>
+    <cs:lnRef idx="0"/>
+    <cs:fillRef idx="0"/>
+    <cs:effectRef idx="0"/>
+    <cs:fontRef idx="minor">
+      <a:schemeClr val="dk1"/>
+    </cs:fontRef>
+    <cs:spPr>
+      <a:solidFill>
+        <a:schemeClr val="lt1"/>
+      </a:solidFill>
+      <a:ln w="9525">
+        <a:solidFill>
+          <a:schemeClr val="tx1">
+            <a:lumMod val="15000"/>
+            <a:lumOff val="85000"/>
+          </a:schemeClr>
+        </a:solidFill>
+      </a:ln>
+    </cs:spPr>
+  </cs:upBar>
+  <cs:valueAxis>
+    <cs:lnRef idx="0"/>
+    <cs:fillRef idx="0"/>
+    <cs:effectRef idx="0"/>
+    <cs:fontRef idx="minor">
+      <a:schemeClr val="tx1">
+        <a:lumMod val="65000"/>
+        <a:lumOff val="35000"/>
+      </a:schemeClr>
+    </cs:fontRef>
+    <cs:defRPr sz="1197" kern="1200"/>
+  </cs:valueAxis>
+  <cs:wall>
+    <cs:lnRef idx="0"/>
+    <cs:fillRef idx="0"/>
+    <cs:effectRef idx="0"/>
+    <cs:fontRef idx="minor">
+      <a:schemeClr val="tx1"/>
+    </cs:fontRef>
+    <cs:spPr>
+      <a:noFill/>
+      <a:ln>
+        <a:noFill/>
+      </a:ln>
+    </cs:spPr>
+  </cs:wall>
+</cs:chartStyle>
+</file>
+
+<file path=ppt/charts/style4.xml><?xml version="1.0" encoding="utf-8"?>
+<cs:chartStyle xmlns:cs="http://schemas.microsoft.com/office/drawing/2012/chartStyle" xmlns:a="http://schemas.openxmlformats.org/drawingml/2006/main" id="201">
+  <cs:axisTitle>
+    <cs:lnRef idx="0"/>
+    <cs:fillRef idx="0"/>
+    <cs:effectRef idx="0"/>
+    <cs:fontRef idx="minor">
+      <a:schemeClr val="tx1">
+        <a:lumMod val="65000"/>
+        <a:lumOff val="35000"/>
+      </a:schemeClr>
+    </cs:fontRef>
+    <cs:defRPr sz="1330" kern="1200"/>
+  </cs:axisTitle>
+  <cs:categoryAxis>
+    <cs:lnRef idx="0"/>
+    <cs:fillRef idx="0"/>
+    <cs:effectRef idx="0"/>
+    <cs:fontRef idx="minor">
+      <a:schemeClr val="tx1">
+        <a:lumMod val="65000"/>
+        <a:lumOff val="35000"/>
+      </a:schemeClr>
+    </cs:fontRef>
+    <cs:spPr>
+      <a:ln w="9525" cap="flat" cmpd="sng" algn="ctr">
+        <a:solidFill>
+          <a:schemeClr val="tx1">
+            <a:lumMod val="15000"/>
+            <a:lumOff val="85000"/>
+          </a:schemeClr>
+        </a:solidFill>
+        <a:round/>
+      </a:ln>
+    </cs:spPr>
+    <cs:defRPr sz="1197" kern="1200"/>
+  </cs:categoryAxis>
+  <cs:chartArea mods="allowNoFillOverride allowNoLineOverride">
+    <cs:lnRef idx="0"/>
+    <cs:fillRef idx="0"/>
+    <cs:effectRef idx="0"/>
+    <cs:fontRef idx="minor">
+      <a:schemeClr val="tx1"/>
+    </cs:fontRef>
+    <cs:spPr>
+      <a:solidFill>
+        <a:schemeClr val="bg1"/>
+      </a:solidFill>
+      <a:ln w="9525" cap="flat" cmpd="sng" algn="ctr">
+        <a:solidFill>
+          <a:schemeClr val="tx1">
+            <a:lumMod val="15000"/>
+            <a:lumOff val="85000"/>
+          </a:schemeClr>
+        </a:solidFill>
+        <a:round/>
+      </a:ln>
+    </cs:spPr>
+    <cs:defRPr sz="1330" kern="1200"/>
+  </cs:chartArea>
+  <cs:dataLabel>
+    <cs:lnRef idx="0"/>
+    <cs:fillRef idx="0"/>
+    <cs:effectRef idx="0"/>
+    <cs:fontRef idx="minor">
+      <a:schemeClr val="tx1">
+        <a:lumMod val="75000"/>
+        <a:lumOff val="25000"/>
+      </a:schemeClr>
+    </cs:fontRef>
+    <cs:defRPr sz="1197" kern="1200"/>
+  </cs:dataLabel>
+  <cs:dataLabelCallout>
+    <cs:lnRef idx="0"/>
+    <cs:fillRef idx="0"/>
+    <cs:effectRef idx="0"/>
+    <cs:fontRef idx="minor">
+      <a:schemeClr val="dk1">
+        <a:lumMod val="65000"/>
+        <a:lumOff val="35000"/>
+      </a:schemeClr>
+    </cs:fontRef>
+    <cs:spPr>
+      <a:solidFill>
+        <a:schemeClr val="lt1"/>
+      </a:solidFill>
+      <a:ln>
+        <a:solidFill>
+          <a:schemeClr val="dk1">
+            <a:lumMod val="25000"/>
+            <a:lumOff val="75000"/>
+          </a:schemeClr>
+        </a:solidFill>
+      </a:ln>
+    </cs:spPr>
+    <cs:defRPr sz="1197" kern="1200"/>
+    <cs:bodyPr rot="0" spcFirstLastPara="1" vertOverflow="clip" horzOverflow="clip" vert="horz" wrap="square" lIns="36576" tIns="18288" rIns="36576" bIns="18288" anchor="ctr" anchorCtr="1">
+      <a:spAutoFit/>
+    </cs:bodyPr>
+  </cs:dataLabelCallout>
+  <cs:dataPoint>
+    <cs:lnRef idx="0"/>
+    <cs:fillRef idx="1">
+      <cs:styleClr val="auto"/>
+    </cs:fillRef>
+    <cs:effectRef idx="0"/>
+    <cs:fontRef idx="minor">
+      <a:schemeClr val="tx1"/>
+    </cs:fontRef>
+  </cs:dataPoint>
+  <cs:dataPoint3D>
+    <cs:lnRef idx="0"/>
+    <cs:fillRef idx="1">
+      <cs:styleClr val="auto"/>
+    </cs:fillRef>
+    <cs:effectRef idx="0"/>
+    <cs:fontRef idx="minor">
+      <a:schemeClr val="tx1"/>
+    </cs:fontRef>
+  </cs:dataPoint3D>
+  <cs:dataPointLine>
+    <cs:lnRef idx="0">
+      <cs:styleClr val="auto"/>
+    </cs:lnRef>
+    <cs:fillRef idx="1"/>
+    <cs:effectRef idx="0"/>
+    <cs:fontRef idx="minor">
+      <a:schemeClr val="tx1"/>
+    </cs:fontRef>
+    <cs:spPr>
+      <a:ln w="28575" cap="rnd">
+        <a:solidFill>
+          <a:schemeClr val="phClr"/>
+        </a:solidFill>
+        <a:round/>
+      </a:ln>
+    </cs:spPr>
+  </cs:dataPointLine>
+  <cs:dataPointMarker>
+    <cs:lnRef idx="0">
+      <cs:styleClr val="auto"/>
+    </cs:lnRef>
+    <cs:fillRef idx="1">
+      <cs:styleClr val="auto"/>
+    </cs:fillRef>
+    <cs:effectRef idx="0"/>
+    <cs:fontRef idx="minor">
+      <a:schemeClr val="tx1"/>
+    </cs:fontRef>
+    <cs:spPr>
+      <a:ln w="9525">
+        <a:solidFill>
+          <a:schemeClr val="phClr"/>
+        </a:solidFill>
+      </a:ln>
+    </cs:spPr>
+  </cs:dataPointMarker>
+  <cs:dataPointMarkerLayout symbol="circle" size="5"/>
+  <cs:dataPointWireframe>
+    <cs:lnRef idx="0">
+      <cs:styleClr val="auto"/>
+    </cs:lnRef>
+    <cs:fillRef idx="1"/>
+    <cs:effectRef idx="0"/>
+    <cs:fontRef idx="minor">
+      <a:schemeClr val="tx1"/>
+    </cs:fontRef>
+    <cs:spPr>
+      <a:ln w="9525" cap="rnd">
+        <a:solidFill>
+          <a:schemeClr val="phClr"/>
+        </a:solidFill>
+        <a:round/>
+      </a:ln>
+    </cs:spPr>
+  </cs:dataPointWireframe>
+  <cs:dataTable>
+    <cs:lnRef idx="0"/>
+    <cs:fillRef idx="0"/>
+    <cs:effectRef idx="0"/>
+    <cs:fontRef idx="minor">
+      <a:schemeClr val="tx1">
+        <a:lumMod val="65000"/>
+        <a:lumOff val="35000"/>
+      </a:schemeClr>
+    </cs:fontRef>
+    <cs:spPr>
+      <a:noFill/>
+      <a:ln w="9525" cap="flat" cmpd="sng" algn="ctr">
+        <a:solidFill>
+          <a:schemeClr val="tx1">
+            <a:lumMod val="15000"/>
+            <a:lumOff val="85000"/>
+          </a:schemeClr>
+        </a:solidFill>
+        <a:round/>
+      </a:ln>
+    </cs:spPr>
+    <cs:defRPr sz="1197" kern="1200"/>
+  </cs:dataTable>
+  <cs:downBar>
+    <cs:lnRef idx="0"/>
+    <cs:fillRef idx="0"/>
+    <cs:effectRef idx="0"/>
+    <cs:fontRef idx="minor">
+      <a:schemeClr val="dk1"/>
+    </cs:fontRef>
+    <cs:spPr>
+      <a:solidFill>
+        <a:schemeClr val="dk1">
+          <a:lumMod val="65000"/>
+          <a:lumOff val="35000"/>
+        </a:schemeClr>
+      </a:solidFill>
+      <a:ln w="9525">
+        <a:solidFill>
+          <a:schemeClr val="tx1">
+            <a:lumMod val="65000"/>
+            <a:lumOff val="35000"/>
+          </a:schemeClr>
+        </a:solidFill>
+      </a:ln>
+    </cs:spPr>
+  </cs:downBar>
+  <cs:dropLine>
+    <cs:lnRef idx="0"/>
+    <cs:fillRef idx="0"/>
+    <cs:effectRef idx="0"/>
+    <cs:fontRef idx="minor">
+      <a:schemeClr val="tx1"/>
+    </cs:fontRef>
+    <cs:spPr>
+      <a:ln w="9525" cap="flat" cmpd="sng" algn="ctr">
+        <a:solidFill>
+          <a:schemeClr val="tx1">
+            <a:lumMod val="35000"/>
+            <a:lumOff val="65000"/>
+          </a:schemeClr>
+        </a:solidFill>
+        <a:round/>
+      </a:ln>
+    </cs:spPr>
+  </cs:dropLine>
+  <cs:errorBar>
+    <cs:lnRef idx="0"/>
+    <cs:fillRef idx="0"/>
+    <cs:effectRef idx="0"/>
+    <cs:fontRef idx="minor">
+      <a:schemeClr val="tx1"/>
+    </cs:fontRef>
+    <cs:spPr>
+      <a:ln w="9525" cap="flat" cmpd="sng" algn="ctr">
+        <a:solidFill>
+          <a:schemeClr val="tx1">
+            <a:lumMod val="65000"/>
+            <a:lumOff val="35000"/>
+          </a:schemeClr>
+        </a:solidFill>
+        <a:round/>
+      </a:ln>
+    </cs:spPr>
+  </cs:errorBar>
+  <cs:floor>
+    <cs:lnRef idx="0"/>
+    <cs:fillRef idx="0"/>
+    <cs:effectRef idx="0"/>
+    <cs:fontRef idx="minor">
+      <a:schemeClr val="tx1"/>
+    </cs:fontRef>
+    <cs:spPr>
+      <a:noFill/>
+      <a:ln>
+        <a:noFill/>
+      </a:ln>
+    </cs:spPr>
+  </cs:floor>
+  <cs:gridlineMajor>
+    <cs:lnRef idx="0"/>
+    <cs:fillRef idx="0"/>
+    <cs:effectRef idx="0"/>
+    <cs:fontRef idx="minor">
+      <a:schemeClr val="tx1"/>
+    </cs:fontRef>
+    <cs:spPr>
+      <a:ln w="9525" cap="flat" cmpd="sng" algn="ctr">
+        <a:solidFill>
+          <a:schemeClr val="tx1">
+            <a:lumMod val="15000"/>
+            <a:lumOff val="85000"/>
+          </a:schemeClr>
+        </a:solidFill>
+        <a:round/>
+      </a:ln>
+    </cs:spPr>
+  </cs:gridlineMajor>
+  <cs:gridlineMinor>
+    <cs:lnRef idx="0"/>
+    <cs:fillRef idx="0"/>
+    <cs:effectRef idx="0"/>
+    <cs:fontRef idx="minor">
+      <a:schemeClr val="tx1"/>
+    </cs:fontRef>
+    <cs:spPr>
+      <a:ln w="9525" cap="flat" cmpd="sng" algn="ctr">
+        <a:solidFill>
+          <a:schemeClr val="tx1">
+            <a:lumMod val="5000"/>
+            <a:lumOff val="95000"/>
+          </a:schemeClr>
+        </a:solidFill>
+        <a:round/>
+      </a:ln>
+    </cs:spPr>
+  </cs:gridlineMinor>
+  <cs:hiLoLine>
+    <cs:lnRef idx="0"/>
+    <cs:fillRef idx="0"/>
+    <cs:effectRef idx="0"/>
+    <cs:fontRef idx="minor">
+      <a:schemeClr val="tx1"/>
+    </cs:fontRef>
+    <cs:spPr>
+      <a:ln w="9525" cap="flat" cmpd="sng" algn="ctr">
+        <a:solidFill>
+          <a:schemeClr val="tx1">
+            <a:lumMod val="75000"/>
+            <a:lumOff val="25000"/>
+          </a:schemeClr>
+        </a:solidFill>
+        <a:round/>
+      </a:ln>
+    </cs:spPr>
+  </cs:hiLoLine>
+  <cs:leaderLine>
+    <cs:lnRef idx="0"/>
+    <cs:fillRef idx="0"/>
+    <cs:effectRef idx="0"/>
+    <cs:fontRef idx="minor">
+      <a:schemeClr val="tx1"/>
+    </cs:fontRef>
+    <cs:spPr>
+      <a:ln w="9525" cap="flat" cmpd="sng" algn="ctr">
+        <a:solidFill>
+          <a:schemeClr val="tx1">
+            <a:lumMod val="35000"/>
+            <a:lumOff val="65000"/>
+          </a:schemeClr>
+        </a:solidFill>
+        <a:round/>
+      </a:ln>
+    </cs:spPr>
+  </cs:leaderLine>
+  <cs:legend>
+    <cs:lnRef idx="0"/>
+    <cs:fillRef idx="0"/>
+    <cs:effectRef idx="0"/>
+    <cs:fontRef idx="minor">
+      <a:schemeClr val="tx1">
+        <a:lumMod val="65000"/>
+        <a:lumOff val="35000"/>
+      </a:schemeClr>
+    </cs:fontRef>
+    <cs:defRPr sz="1197" kern="1200"/>
+  </cs:legend>
+  <cs:plotArea mods="allowNoFillOverride allowNoLineOverride">
+    <cs:lnRef idx="0"/>
+    <cs:fillRef idx="0"/>
+    <cs:effectRef idx="0"/>
+    <cs:fontRef idx="minor">
+      <a:schemeClr val="tx1"/>
+    </cs:fontRef>
+  </cs:plotArea>
+  <cs:plotArea3D mods="allowNoFillOverride allowNoLineOverride">
+    <cs:lnRef idx="0"/>
+    <cs:fillRef idx="0"/>
+    <cs:effectRef idx="0"/>
+    <cs:fontRef idx="minor">
+      <a:schemeClr val="tx1"/>
+    </cs:fontRef>
+  </cs:plotArea3D>
+  <cs:seriesAxis>
+    <cs:lnRef idx="0"/>
+    <cs:fillRef idx="0"/>
+    <cs:effectRef idx="0"/>
+    <cs:fontRef idx="minor">
+      <a:schemeClr val="tx1">
+        <a:lumMod val="65000"/>
+        <a:lumOff val="35000"/>
+      </a:schemeClr>
+    </cs:fontRef>
+    <cs:defRPr sz="1197" kern="1200"/>
+  </cs:seriesAxis>
+  <cs:seriesLine>
+    <cs:lnRef idx="0"/>
+    <cs:fillRef idx="0"/>
+    <cs:effectRef idx="0"/>
+    <cs:fontRef idx="minor">
+      <a:schemeClr val="tx1"/>
+    </cs:fontRef>
+    <cs:spPr>
+      <a:ln w="9525" cap="flat" cmpd="sng" algn="ctr">
+        <a:solidFill>
+          <a:schemeClr val="tx1">
+            <a:lumMod val="35000"/>
+            <a:lumOff val="65000"/>
+          </a:schemeClr>
+        </a:solidFill>
+        <a:round/>
+      </a:ln>
+    </cs:spPr>
+  </cs:seriesLine>
+  <cs:title>
+    <cs:lnRef idx="0"/>
+    <cs:fillRef idx="0"/>
+    <cs:effectRef idx="0"/>
+    <cs:fontRef idx="minor">
+      <a:schemeClr val="tx1">
+        <a:lumMod val="65000"/>
+        <a:lumOff val="35000"/>
+      </a:schemeClr>
+    </cs:fontRef>
+    <cs:defRPr sz="1862" b="0" kern="1200" spc="0" baseline="0"/>
+  </cs:title>
+  <cs:trendline>
+    <cs:lnRef idx="0">
+      <cs:styleClr val="auto"/>
+    </cs:lnRef>
+    <cs:fillRef idx="0"/>
+    <cs:effectRef idx="0"/>
+    <cs:fontRef idx="minor">
+      <a:schemeClr val="tx1"/>
+    </cs:fontRef>
+    <cs:spPr>
+      <a:ln w="19050" cap="rnd">
+        <a:solidFill>
+          <a:schemeClr val="phClr"/>
+        </a:solidFill>
+        <a:prstDash val="sysDot"/>
+      </a:ln>
+    </cs:spPr>
+  </cs:trendline>
+  <cs:trendlineLabel>
+    <cs:lnRef idx="0"/>
+    <cs:fillRef idx="0"/>
+    <cs:effectRef idx="0"/>
+    <cs:fontRef idx="minor">
+      <a:schemeClr val="tx1">
+        <a:lumMod val="65000"/>
+        <a:lumOff val="35000"/>
+      </a:schemeClr>
+    </cs:fontRef>
+    <cs:defRPr sz="1197" kern="1200"/>
+  </cs:trendlineLabel>
+  <cs:upBar>
+    <cs:lnRef idx="0"/>
+    <cs:fillRef idx="0"/>
+    <cs:effectRef idx="0"/>
+    <cs:fontRef idx="minor">
+      <a:schemeClr val="dk1"/>
+    </cs:fontRef>
+    <cs:spPr>
+      <a:solidFill>
+        <a:schemeClr val="lt1"/>
+      </a:solidFill>
+      <a:ln w="9525">
+        <a:solidFill>
+          <a:schemeClr val="tx1">
+            <a:lumMod val="15000"/>
+            <a:lumOff val="85000"/>
+          </a:schemeClr>
+        </a:solidFill>
       </a:ln>
     </cs:spPr>
   </cs:upBar>
@@ -5511,20 +9453,16 @@
               <a:t>M</a:t>
             </a:r>
             <a:r>
-              <a:rPr lang="en-US" dirty="0" err="1" smtClean="0"/>
-              <a:t>eans</a:t>
+              <a:rPr lang="en-US" dirty="0" smtClean="0"/>
+              <a:t>EANS </a:t>
             </a:r>
             <a:r>
-              <a:rPr lang="en-US" dirty="0" smtClean="0"/>
-              <a:t> </a:t>
-            </a:r>
-            <a:r>
-              <a:rPr lang="tr-TR" dirty="0"/>
+              <a:rPr lang="tr-TR" dirty="0" smtClean="0"/>
               <a:t>C</a:t>
             </a:r>
             <a:r>
               <a:rPr lang="en-US" dirty="0" smtClean="0"/>
-              <a:t>lustering</a:t>
+              <a:t>LUSTERING</a:t>
             </a:r>
             <a:endParaRPr lang="en-US" dirty="0"/>
           </a:p>
@@ -5637,7 +9575,6 @@
                         <a:rPr lang="tr-TR" b="1" dirty="0" smtClean="0"/>
                         <a:t>1</a:t>
                       </a:r>
-                      <a:endParaRPr lang="tr-TR" b="1" dirty="0" smtClean="0"/>
                     </a:p>
                   </a:txBody>
                   <a:tcPr anchor="ctr"/>
@@ -6187,10 +10124,298 @@
           <a:chExt cx="0" cy="0"/>
         </a:xfrm>
       </p:grpSpPr>
+      <p:sp>
+        <p:nvSpPr>
+          <p:cNvPr id="2" name="Unvan 1"/>
+          <p:cNvSpPr>
+            <a:spLocks noGrp="1"/>
+          </p:cNvSpPr>
+          <p:nvPr>
+            <p:ph type="title"/>
+          </p:nvPr>
+        </p:nvSpPr>
+        <p:spPr/>
+        <p:txBody>
+          <a:bodyPr/>
+          <a:lstStyle/>
+          <a:p>
+            <a:pPr algn="ctr"/>
+            <a:r>
+              <a:rPr lang="tr-TR" dirty="0" smtClean="0"/>
+              <a:t>ALGORITHMS</a:t>
+            </a:r>
+            <a:endParaRPr lang="en-US" dirty="0"/>
+          </a:p>
+        </p:txBody>
+      </p:sp>
+      <p:graphicFrame>
+        <p:nvGraphicFramePr>
+          <p:cNvPr id="4" name="İçerik Yer Tutucusu 3"/>
+          <p:cNvGraphicFramePr>
+            <a:graphicFrameLocks noGrp="1"/>
+          </p:cNvGraphicFramePr>
+          <p:nvPr>
+            <p:ph idx="1"/>
+            <p:extLst>
+              <p:ext uri="{D42A27DB-BD31-4B8C-83A1-F6EECF244321}">
+                <p14:modId xmlns:p14="http://schemas.microsoft.com/office/powerpoint/2010/main" val="308295497"/>
+              </p:ext>
+            </p:extLst>
+          </p:nvPr>
+        </p:nvGraphicFramePr>
+        <p:xfrm>
+          <a:off x="3120736" y="2703080"/>
+          <a:ext cx="5950527" cy="1112520"/>
+        </p:xfrm>
+        <a:graphic>
+          <a:graphicData uri="http://schemas.openxmlformats.org/drawingml/2006/table">
+            <a:tbl>
+              <a:tblPr firstRow="1" bandRow="1">
+                <a:tableStyleId>{5940675A-B579-460E-94D1-54222C63F5DA}</a:tableStyleId>
+              </a:tblPr>
+              <a:tblGrid>
+                <a:gridCol w="325582">
+                  <a:extLst>
+                    <a:ext uri="{9D8B030D-6E8A-4147-A177-3AD203B41FA5}">
+                      <a16:colId xmlns:a16="http://schemas.microsoft.com/office/drawing/2014/main" val="4119406803"/>
+                    </a:ext>
+                  </a:extLst>
+                </a:gridCol>
+                <a:gridCol w="2541944">
+                  <a:extLst>
+                    <a:ext uri="{9D8B030D-6E8A-4147-A177-3AD203B41FA5}">
+                      <a16:colId xmlns:a16="http://schemas.microsoft.com/office/drawing/2014/main" val="1561043012"/>
+                    </a:ext>
+                  </a:extLst>
+                </a:gridCol>
+                <a:gridCol w="818148">
+                  <a:extLst>
+                    <a:ext uri="{9D8B030D-6E8A-4147-A177-3AD203B41FA5}">
+                      <a16:colId xmlns:a16="http://schemas.microsoft.com/office/drawing/2014/main" val="455597468"/>
+                    </a:ext>
+                  </a:extLst>
+                </a:gridCol>
+                <a:gridCol w="2264853">
+                  <a:extLst>
+                    <a:ext uri="{9D8B030D-6E8A-4147-A177-3AD203B41FA5}">
+                      <a16:colId xmlns:a16="http://schemas.microsoft.com/office/drawing/2014/main" val="1674634613"/>
+                    </a:ext>
+                  </a:extLst>
+                </a:gridCol>
+              </a:tblGrid>
+              <a:tr h="370840">
+                <a:tc>
+                  <a:txBody>
+                    <a:bodyPr/>
+                    <a:lstStyle/>
+                    <a:p>
+                      <a:r>
+                        <a:rPr lang="tr-TR" dirty="0" smtClean="0"/>
+                        <a:t>0</a:t>
+                      </a:r>
+                      <a:endParaRPr lang="en-US" dirty="0"/>
+                    </a:p>
+                  </a:txBody>
+                  <a:tcPr/>
+                </a:tc>
+                <a:tc>
+                  <a:txBody>
+                    <a:bodyPr/>
+                    <a:lstStyle/>
+                    <a:p>
+                      <a:r>
+                        <a:rPr lang="tr-TR" b="1" dirty="0" smtClean="0"/>
+                        <a:t>NAIVE BAYES</a:t>
+                      </a:r>
+                      <a:endParaRPr lang="en-US" b="1" dirty="0"/>
+                    </a:p>
+                  </a:txBody>
+                  <a:tcPr/>
+                </a:tc>
+                <a:tc>
+                  <a:txBody>
+                    <a:bodyPr/>
+                    <a:lstStyle/>
+                    <a:p>
+                      <a:r>
+                        <a:rPr lang="tr-TR" dirty="0" smtClean="0"/>
+                        <a:t>NB</a:t>
+                      </a:r>
+                      <a:endParaRPr lang="en-US" dirty="0"/>
+                    </a:p>
+                  </a:txBody>
+                  <a:tcPr/>
+                </a:tc>
+                <a:tc>
+                  <a:txBody>
+                    <a:bodyPr/>
+                    <a:lstStyle/>
+                    <a:p>
+                      <a:r>
+                        <a:rPr lang="en-US" dirty="0" smtClean="0"/>
+                        <a:t>Bernoulli</a:t>
+                      </a:r>
+                      <a:r>
+                        <a:rPr lang="tr-TR" dirty="0" smtClean="0"/>
+                        <a:t>NB</a:t>
+                      </a:r>
+                      <a:endParaRPr lang="en-US" dirty="0"/>
+                    </a:p>
+                  </a:txBody>
+                  <a:tcPr/>
+                </a:tc>
+                <a:extLst>
+                  <a:ext uri="{0D108BD9-81ED-4DB2-BD59-A6C34878D82A}">
+                    <a16:rowId xmlns:a16="http://schemas.microsoft.com/office/drawing/2014/main" val="2883566017"/>
+                  </a:ext>
+                </a:extLst>
+              </a:tr>
+              <a:tr h="370840">
+                <a:tc>
+                  <a:txBody>
+                    <a:bodyPr/>
+                    <a:lstStyle/>
+                    <a:p>
+                      <a:r>
+                        <a:rPr lang="tr-TR" dirty="0" smtClean="0"/>
+                        <a:t>1</a:t>
+                      </a:r>
+                      <a:endParaRPr lang="en-US" dirty="0"/>
+                    </a:p>
+                  </a:txBody>
+                  <a:tcPr/>
+                </a:tc>
+                <a:tc>
+                  <a:txBody>
+                    <a:bodyPr/>
+                    <a:lstStyle/>
+                    <a:p>
+                      <a:r>
+                        <a:rPr lang="tr-TR" b="1" dirty="0" smtClean="0"/>
+                        <a:t>RANDOM FOREST</a:t>
+                      </a:r>
+                      <a:endParaRPr lang="en-US" b="1" dirty="0"/>
+                    </a:p>
+                  </a:txBody>
+                  <a:tcPr/>
+                </a:tc>
+                <a:tc>
+                  <a:txBody>
+                    <a:bodyPr/>
+                    <a:lstStyle/>
+                    <a:p>
+                      <a:r>
+                        <a:rPr lang="tr-TR" dirty="0" smtClean="0"/>
+                        <a:t>RF</a:t>
+                      </a:r>
+                      <a:endParaRPr lang="en-US" dirty="0"/>
+                    </a:p>
+                  </a:txBody>
+                  <a:tcPr/>
+                </a:tc>
+                <a:tc>
+                  <a:txBody>
+                    <a:bodyPr/>
+                    <a:lstStyle/>
+                    <a:p>
+                      <a:r>
+                        <a:rPr lang="en-US" dirty="0" err="1" smtClean="0"/>
+                        <a:t>n_estimators</a:t>
+                      </a:r>
+                      <a:r>
+                        <a:rPr lang="en-US" dirty="0" smtClean="0"/>
+                        <a:t>=10</a:t>
+                      </a:r>
+                      <a:endParaRPr lang="en-US" dirty="0"/>
+                    </a:p>
+                  </a:txBody>
+                  <a:tcPr/>
+                </a:tc>
+                <a:extLst>
+                  <a:ext uri="{0D108BD9-81ED-4DB2-BD59-A6C34878D82A}">
+                    <a16:rowId xmlns:a16="http://schemas.microsoft.com/office/drawing/2014/main" val="237144800"/>
+                  </a:ext>
+                </a:extLst>
+              </a:tr>
+              <a:tr h="370840">
+                <a:tc>
+                  <a:txBody>
+                    <a:bodyPr/>
+                    <a:lstStyle/>
+                    <a:p>
+                      <a:r>
+                        <a:rPr lang="tr-TR" dirty="0" smtClean="0"/>
+                        <a:t>2</a:t>
+                      </a:r>
+                      <a:endParaRPr lang="en-US" dirty="0"/>
+                    </a:p>
+                  </a:txBody>
+                  <a:tcPr/>
+                </a:tc>
+                <a:tc>
+                  <a:txBody>
+                    <a:bodyPr/>
+                    <a:lstStyle/>
+                    <a:p>
+                      <a:r>
+                        <a:rPr lang="tr-TR" b="1" dirty="0" smtClean="0"/>
+                        <a:t>K-NEAREST</a:t>
+                      </a:r>
+                      <a:r>
+                        <a:rPr lang="tr-TR" b="1" baseline="0" dirty="0" smtClean="0"/>
+                        <a:t> NEIGHBORS</a:t>
+                      </a:r>
+                      <a:endParaRPr lang="en-US" b="1" dirty="0"/>
+                    </a:p>
+                  </a:txBody>
+                  <a:tcPr/>
+                </a:tc>
+                <a:tc>
+                  <a:txBody>
+                    <a:bodyPr/>
+                    <a:lstStyle/>
+                    <a:p>
+                      <a:r>
+                        <a:rPr lang="tr-TR" dirty="0" err="1" smtClean="0"/>
+                        <a:t>kNN</a:t>
+                      </a:r>
+                      <a:endParaRPr lang="en-US" dirty="0"/>
+                    </a:p>
+                  </a:txBody>
+                  <a:tcPr/>
+                </a:tc>
+                <a:tc>
+                  <a:txBody>
+                    <a:bodyPr/>
+                    <a:lstStyle/>
+                    <a:p>
+                      <a:r>
+                        <a:rPr lang="en-US" dirty="0" err="1" smtClean="0"/>
+                        <a:t>n_neighbors</a:t>
+                      </a:r>
+                      <a:r>
+                        <a:rPr lang="en-US" dirty="0" smtClean="0"/>
+                        <a:t>=3</a:t>
+                      </a:r>
+                      <a:endParaRPr lang="en-US" dirty="0"/>
+                    </a:p>
+                  </a:txBody>
+                  <a:tcPr/>
+                </a:tc>
+                <a:extLst>
+                  <a:ext uri="{0D108BD9-81ED-4DB2-BD59-A6C34878D82A}">
+                    <a16:rowId xmlns:a16="http://schemas.microsoft.com/office/drawing/2014/main" val="433608226"/>
+                  </a:ext>
+                </a:extLst>
+              </a:tr>
+            </a:tbl>
+          </a:graphicData>
+        </a:graphic>
+      </p:graphicFrame>
     </p:spTree>
     <p:extLst>
       <p:ext uri="{BB962C8B-B14F-4D97-AF65-F5344CB8AC3E}">
-        <p14:creationId xmlns:p14="http://schemas.microsoft.com/office/powerpoint/2010/main" val="843668470"/>
+        <p14:creationId xmlns:p14="http://schemas.microsoft.com/office/powerpoint/2010/main" val="1800741079"/>
       </p:ext>
     </p:extLst>
   </p:cSld>
@@ -6226,232 +10451,224 @@
       </p:grpSpPr>
       <p:sp>
         <p:nvSpPr>
-          <p:cNvPr id="4" name="Metin kutusu 3"/>
-          <p:cNvSpPr txBox="1"/>
-          <p:nvPr/>
+          <p:cNvPr id="2" name="Unvan 1"/>
+          <p:cNvSpPr>
+            <a:spLocks noGrp="1"/>
+          </p:cNvSpPr>
+          <p:nvPr>
+            <p:ph type="title"/>
+          </p:nvPr>
         </p:nvSpPr>
-        <p:spPr>
-          <a:xfrm>
-            <a:off x="3934705" y="804305"/>
-            <a:ext cx="4137877" cy="4455066"/>
-          </a:xfrm>
-          <a:prstGeom prst="rect">
-            <a:avLst/>
-          </a:prstGeom>
-          <a:noFill/>
-        </p:spPr>
+        <p:spPr/>
         <p:txBody>
-          <a:bodyPr wrap="square" rtlCol="0">
-            <a:spAutoFit/>
-          </a:bodyPr>
+          <a:bodyPr/>
           <a:lstStyle/>
           <a:p>
-            <a:pPr marL="285750" indent="-285750">
-              <a:buFont typeface="Arial" panose="020B0604020202020204" pitchFamily="34" charset="0"/>
-              <a:buChar char="•"/>
-            </a:pPr>
+            <a:pPr algn="ctr"/>
             <a:r>
-              <a:rPr lang="en-US" sz="1350" b="1" dirty="0" smtClean="0"/>
-              <a:t>Start </a:t>
+              <a:rPr lang="tr-TR" dirty="0" smtClean="0"/>
+              <a:t>NAIVE BAYES</a:t>
             </a:r>
-            <a:r>
-              <a:rPr lang="en-US" sz="1350" b="1" dirty="0"/>
-              <a:t>Capital </a:t>
-            </a:r>
-            <a:r>
-              <a:rPr lang="en-US" sz="1350" dirty="0"/>
-              <a:t>(whether the term is capitalized or not</a:t>
-            </a:r>
-            <a:r>
-              <a:rPr lang="en-US" sz="1350" dirty="0" smtClean="0"/>
-              <a:t>)</a:t>
-            </a:r>
-            <a:r>
-              <a:rPr lang="en-US" sz="1350" dirty="0"/>
-              <a:t> </a:t>
-            </a:r>
-          </a:p>
-          <a:p>
-            <a:pPr marL="285750" indent="-285750">
-              <a:buFont typeface="Arial" panose="020B0604020202020204" pitchFamily="34" charset="0"/>
-              <a:buChar char="•"/>
-            </a:pPr>
-            <a:r>
-              <a:rPr lang="en-US" sz="1350" b="1" dirty="0" smtClean="0"/>
-              <a:t>All </a:t>
-            </a:r>
-            <a:r>
-              <a:rPr lang="en-US" sz="1350" b="1" dirty="0"/>
-              <a:t>Capital </a:t>
-            </a:r>
-            <a:r>
-              <a:rPr lang="en-US" sz="1350" dirty="0"/>
-              <a:t>(If the term is all uppercase</a:t>
-            </a:r>
-            <a:r>
-              <a:rPr lang="en-US" sz="1350" dirty="0" smtClean="0"/>
-              <a:t>)</a:t>
-            </a:r>
-            <a:endParaRPr lang="en-US" sz="1350" dirty="0"/>
-          </a:p>
-          <a:p>
-            <a:pPr marL="285750" indent="-285750">
-              <a:buFont typeface="Arial" panose="020B0604020202020204" pitchFamily="34" charset="0"/>
-              <a:buChar char="•"/>
-            </a:pPr>
-            <a:r>
-              <a:rPr lang="en-US" sz="1350" b="1" dirty="0" smtClean="0"/>
-              <a:t>Capital </a:t>
-            </a:r>
-            <a:r>
-              <a:rPr lang="en-US" sz="1350" b="1" dirty="0"/>
-              <a:t>Ratio </a:t>
-            </a:r>
-            <a:r>
-              <a:rPr lang="en-US" sz="1350" dirty="0"/>
-              <a:t>(the ratio of capital letters in the term) </a:t>
-            </a:r>
-          </a:p>
-          <a:p>
-            <a:pPr marL="285750" indent="-285750">
-              <a:buFont typeface="Arial" panose="020B0604020202020204" pitchFamily="34" charset="0"/>
-              <a:buChar char="•"/>
-            </a:pPr>
-            <a:r>
-              <a:rPr lang="en-US" sz="1350" b="1" dirty="0" smtClean="0"/>
-              <a:t>Length</a:t>
-            </a:r>
-            <a:r>
-              <a:rPr lang="en-US" sz="1350" dirty="0" smtClean="0"/>
-              <a:t> (number of characters in the word)</a:t>
-            </a:r>
-            <a:endParaRPr lang="en-US" sz="1350" dirty="0"/>
-          </a:p>
-          <a:p>
-            <a:pPr marL="285750" indent="-285750">
-              <a:buFont typeface="Arial" panose="020B0604020202020204" pitchFamily="34" charset="0"/>
-              <a:buChar char="•"/>
-            </a:pPr>
-            <a:r>
-              <a:rPr lang="en-US" sz="1350" b="1" dirty="0" smtClean="0"/>
-              <a:t>Vowel </a:t>
-            </a:r>
-            <a:r>
-              <a:rPr lang="en-US" sz="1350" b="1" dirty="0"/>
-              <a:t>Ratio </a:t>
-            </a:r>
-            <a:r>
-              <a:rPr lang="en-US" sz="1350" dirty="0"/>
-              <a:t>(The ratio of number consonant over the number of vowels in the word) </a:t>
-            </a:r>
-          </a:p>
-          <a:p>
-            <a:pPr marL="285750" indent="-285750">
-              <a:buFont typeface="Arial" panose="020B0604020202020204" pitchFamily="34" charset="0"/>
-              <a:buChar char="•"/>
-            </a:pPr>
-            <a:r>
-              <a:rPr lang="en-US" sz="1350" b="1" dirty="0" smtClean="0"/>
-              <a:t>Number </a:t>
-            </a:r>
-            <a:r>
-              <a:rPr lang="en-US" sz="1350" b="1" dirty="0"/>
-              <a:t>of Vowels </a:t>
-            </a:r>
-            <a:r>
-              <a:rPr lang="en-US" sz="1350" dirty="0"/>
-              <a:t>(The number vowels in the word) </a:t>
-            </a:r>
-          </a:p>
-          <a:p>
-            <a:pPr marL="285750" indent="-285750">
-              <a:buFont typeface="Arial" panose="020B0604020202020204" pitchFamily="34" charset="0"/>
-              <a:buChar char="•"/>
-            </a:pPr>
-            <a:r>
-              <a:rPr lang="en-US" sz="1350" b="1" dirty="0" smtClean="0"/>
-              <a:t>Number </a:t>
-            </a:r>
-            <a:r>
-              <a:rPr lang="en-US" sz="1350" b="1" dirty="0"/>
-              <a:t>of numeric characters </a:t>
-            </a:r>
-            <a:r>
-              <a:rPr lang="en-US" sz="1350" dirty="0"/>
-              <a:t>(The number of numerical characters {0,1,2,3,4,5,6,7,8,9} in the term)</a:t>
-            </a:r>
-          </a:p>
-          <a:p>
-            <a:pPr marL="285750" indent="-285750">
-              <a:buFont typeface="Arial" panose="020B0604020202020204" pitchFamily="34" charset="0"/>
-              <a:buChar char="•"/>
-            </a:pPr>
-            <a:r>
-              <a:rPr lang="en-US" sz="1350" b="1" dirty="0" smtClean="0"/>
-              <a:t>Numeric </a:t>
-            </a:r>
-            <a:r>
-              <a:rPr lang="en-US" sz="1350" b="1" dirty="0"/>
-              <a:t>Ratio </a:t>
-            </a:r>
-            <a:r>
-              <a:rPr lang="en-US" sz="1350" dirty="0"/>
-              <a:t>(The ratio of numerical characters {0,1,2,3,4,5,6,7,8,9} in the term)</a:t>
-            </a:r>
-          </a:p>
-          <a:p>
-            <a:pPr marL="285750" indent="-285750">
-              <a:buFont typeface="Arial" panose="020B0604020202020204" pitchFamily="34" charset="0"/>
-              <a:buChar char="•"/>
-            </a:pPr>
-            <a:r>
-              <a:rPr lang="en-US" sz="1350" b="1" dirty="0" smtClean="0"/>
-              <a:t>Number </a:t>
-            </a:r>
-            <a:r>
-              <a:rPr lang="en-US" sz="1350" b="1" dirty="0"/>
-              <a:t>Of </a:t>
-            </a:r>
-            <a:r>
-              <a:rPr lang="en-US" sz="1350" b="1" dirty="0" err="1"/>
-              <a:t>NonAlphanumeric</a:t>
-            </a:r>
-            <a:r>
-              <a:rPr lang="en-US" sz="1350" b="1" dirty="0"/>
-              <a:t> </a:t>
-            </a:r>
-            <a:r>
-              <a:rPr lang="en-US" sz="1350" dirty="0"/>
-              <a:t> (The number of characters except alphanumerical characters a-z and 0-9 in the term) </a:t>
-            </a:r>
-          </a:p>
-          <a:p>
-            <a:pPr marL="285750" indent="-285750">
-              <a:buFont typeface="Arial" panose="020B0604020202020204" pitchFamily="34" charset="0"/>
-              <a:buChar char="•"/>
-            </a:pPr>
-            <a:r>
-              <a:rPr lang="en-US" sz="1350" b="1" dirty="0" err="1" smtClean="0"/>
-              <a:t>NonAlphanumericRatio</a:t>
-            </a:r>
-            <a:r>
-              <a:rPr lang="en-US" sz="1350" dirty="0" smtClean="0"/>
-              <a:t> </a:t>
-            </a:r>
-            <a:r>
-              <a:rPr lang="en-US" sz="1350" dirty="0"/>
-              <a:t>(The ratio of characters except alphanumerical characters a-z and 0-9 in the term) </a:t>
-            </a:r>
-          </a:p>
-          <a:p>
-            <a:endParaRPr lang="en-US" sz="1350" dirty="0"/>
+            <a:endParaRPr lang="en-US" dirty="0"/>
           </a:p>
         </p:txBody>
       </p:sp>
+      <p:graphicFrame>
+        <p:nvGraphicFramePr>
+          <p:cNvPr id="6" name="Grafik 5"/>
+          <p:cNvGraphicFramePr/>
+          <p:nvPr>
+            <p:extLst>
+              <p:ext uri="{D42A27DB-BD31-4B8C-83A1-F6EECF244321}">
+                <p14:modId xmlns:p14="http://schemas.microsoft.com/office/powerpoint/2010/main" val="1635304062"/>
+              </p:ext>
+            </p:extLst>
+          </p:nvPr>
+        </p:nvGraphicFramePr>
+        <p:xfrm>
+          <a:off x="2032000" y="1296365"/>
+          <a:ext cx="8128000" cy="4841968"/>
+        </p:xfrm>
+        <a:graphic>
+          <a:graphicData uri="http://schemas.openxmlformats.org/drawingml/2006/chart">
+            <c:chart xmlns:c="http://schemas.openxmlformats.org/drawingml/2006/chart" xmlns:r="http://schemas.openxmlformats.org/officeDocument/2006/relationships" r:id="rId2"/>
+          </a:graphicData>
+        </a:graphic>
+      </p:graphicFrame>
     </p:spTree>
     <p:extLst>
       <p:ext uri="{BB962C8B-B14F-4D97-AF65-F5344CB8AC3E}">
-        <p14:creationId xmlns:p14="http://schemas.microsoft.com/office/powerpoint/2010/main" val="2557364405"/>
+        <p14:creationId xmlns:p14="http://schemas.microsoft.com/office/powerpoint/2010/main" val="2476462370"/>
+      </p:ext>
+    </p:extLst>
+  </p:cSld>
+  <p:clrMapOvr>
+    <a:masterClrMapping/>
+  </p:clrMapOvr>
+  <p:timing>
+    <p:tnLst>
+      <p:par>
+        <p:cTn id="1" dur="indefinite" restart="never" nodeType="tmRoot"/>
+      </p:par>
+    </p:tnLst>
+  </p:timing>
+</p:sld>
+</file>
+
+<file path=ppt/slides/slide7.xml><?xml version="1.0" encoding="utf-8"?>
+<p:sld xmlns:a="http://schemas.openxmlformats.org/drawingml/2006/main" xmlns:r="http://schemas.openxmlformats.org/officeDocument/2006/relationships" xmlns:p="http://schemas.openxmlformats.org/presentationml/2006/main">
+  <p:cSld>
+    <p:spTree>
+      <p:nvGrpSpPr>
+        <p:cNvPr id="1" name=""/>
+        <p:cNvGrpSpPr/>
+        <p:nvPr/>
+      </p:nvGrpSpPr>
+      <p:grpSpPr>
+        <a:xfrm>
+          <a:off x="0" y="0"/>
+          <a:ext cx="0" cy="0"/>
+          <a:chOff x="0" y="0"/>
+          <a:chExt cx="0" cy="0"/>
+        </a:xfrm>
+      </p:grpSpPr>
+      <p:sp>
+        <p:nvSpPr>
+          <p:cNvPr id="2" name="Unvan 1"/>
+          <p:cNvSpPr>
+            <a:spLocks noGrp="1"/>
+          </p:cNvSpPr>
+          <p:nvPr>
+            <p:ph type="title"/>
+          </p:nvPr>
+        </p:nvSpPr>
+        <p:spPr/>
+        <p:txBody>
+          <a:bodyPr/>
+          <a:lstStyle/>
+          <a:p>
+            <a:pPr algn="ctr"/>
+            <a:r>
+              <a:rPr lang="tr-TR" dirty="0" smtClean="0"/>
+              <a:t>RANDOM FOREST</a:t>
+            </a:r>
+            <a:endParaRPr lang="en-US" dirty="0"/>
+          </a:p>
+        </p:txBody>
+      </p:sp>
+      <p:graphicFrame>
+        <p:nvGraphicFramePr>
+          <p:cNvPr id="8" name="Grafik 7"/>
+          <p:cNvGraphicFramePr/>
+          <p:nvPr>
+            <p:extLst>
+              <p:ext uri="{D42A27DB-BD31-4B8C-83A1-F6EECF244321}">
+                <p14:modId xmlns:p14="http://schemas.microsoft.com/office/powerpoint/2010/main" val="4080028584"/>
+              </p:ext>
+            </p:extLst>
+          </p:nvPr>
+        </p:nvGraphicFramePr>
+        <p:xfrm>
+          <a:off x="2032000" y="1296365"/>
+          <a:ext cx="8128000" cy="4841968"/>
+        </p:xfrm>
+        <a:graphic>
+          <a:graphicData uri="http://schemas.openxmlformats.org/drawingml/2006/chart">
+            <c:chart xmlns:c="http://schemas.openxmlformats.org/drawingml/2006/chart" xmlns:r="http://schemas.openxmlformats.org/officeDocument/2006/relationships" r:id="rId2"/>
+          </a:graphicData>
+        </a:graphic>
+      </p:graphicFrame>
+    </p:spTree>
+    <p:extLst>
+      <p:ext uri="{BB962C8B-B14F-4D97-AF65-F5344CB8AC3E}">
+        <p14:creationId xmlns:p14="http://schemas.microsoft.com/office/powerpoint/2010/main" val="369753334"/>
+      </p:ext>
+    </p:extLst>
+  </p:cSld>
+  <p:clrMapOvr>
+    <a:masterClrMapping/>
+  </p:clrMapOvr>
+  <p:timing>
+    <p:tnLst>
+      <p:par>
+        <p:cTn id="1" dur="indefinite" restart="never" nodeType="tmRoot"/>
+      </p:par>
+    </p:tnLst>
+  </p:timing>
+</p:sld>
+</file>
+
+<file path=ppt/slides/slide8.xml><?xml version="1.0" encoding="utf-8"?>
+<p:sld xmlns:a="http://schemas.openxmlformats.org/drawingml/2006/main" xmlns:r="http://schemas.openxmlformats.org/officeDocument/2006/relationships" xmlns:p="http://schemas.openxmlformats.org/presentationml/2006/main">
+  <p:cSld>
+    <p:spTree>
+      <p:nvGrpSpPr>
+        <p:cNvPr id="1" name=""/>
+        <p:cNvGrpSpPr/>
+        <p:nvPr/>
+      </p:nvGrpSpPr>
+      <p:grpSpPr>
+        <a:xfrm>
+          <a:off x="0" y="0"/>
+          <a:ext cx="0" cy="0"/>
+          <a:chOff x="0" y="0"/>
+          <a:chExt cx="0" cy="0"/>
+        </a:xfrm>
+      </p:grpSpPr>
+      <p:sp>
+        <p:nvSpPr>
+          <p:cNvPr id="2" name="Unvan 1"/>
+          <p:cNvSpPr>
+            <a:spLocks noGrp="1"/>
+          </p:cNvSpPr>
+          <p:nvPr>
+            <p:ph type="title"/>
+          </p:nvPr>
+        </p:nvSpPr>
+        <p:spPr/>
+        <p:txBody>
+          <a:bodyPr/>
+          <a:lstStyle/>
+          <a:p>
+            <a:pPr algn="ctr"/>
+            <a:r>
+              <a:rPr lang="tr-TR" dirty="0"/>
+              <a:t>K-NEAREST </a:t>
+            </a:r>
+            <a:r>
+              <a:rPr lang="tr-TR" dirty="0" smtClean="0"/>
+              <a:t>NEIGHBORS</a:t>
+            </a:r>
+            <a:endParaRPr lang="en-US" dirty="0"/>
+          </a:p>
+        </p:txBody>
+      </p:sp>
+      <p:graphicFrame>
+        <p:nvGraphicFramePr>
+          <p:cNvPr id="4" name="Grafik 3"/>
+          <p:cNvGraphicFramePr/>
+          <p:nvPr>
+            <p:extLst>
+              <p:ext uri="{D42A27DB-BD31-4B8C-83A1-F6EECF244321}">
+                <p14:modId xmlns:p14="http://schemas.microsoft.com/office/powerpoint/2010/main" val="591047511"/>
+              </p:ext>
+            </p:extLst>
+          </p:nvPr>
+        </p:nvGraphicFramePr>
+        <p:xfrm>
+          <a:off x="2032000" y="1296365"/>
+          <a:ext cx="8128000" cy="4841968"/>
+        </p:xfrm>
+        <a:graphic>
+          <a:graphicData uri="http://schemas.openxmlformats.org/drawingml/2006/chart">
+            <c:chart xmlns:c="http://schemas.openxmlformats.org/drawingml/2006/chart" xmlns:r="http://schemas.openxmlformats.org/officeDocument/2006/relationships" r:id="rId2"/>
+          </a:graphicData>
+        </a:graphic>
+      </p:graphicFrame>
+    </p:spTree>
+    <p:extLst>
+      <p:ext uri="{BB962C8B-B14F-4D97-AF65-F5344CB8AC3E}">
+        <p14:creationId xmlns:p14="http://schemas.microsoft.com/office/powerpoint/2010/main" val="3527859401"/>
       </p:ext>
     </p:extLst>
   </p:cSld>
